--- a/Projet_8/p8.pptx
+++ b/Projet_8/p8.pptx
@@ -5,7 +5,7 @@
     <p:sldMasterId id="2147483660" r:id="rId1"/>
   </p:sldMasterIdLst>
   <p:notesMasterIdLst>
-    <p:notesMasterId r:id="rId40"/>
+    <p:notesMasterId r:id="rId43"/>
   </p:notesMasterIdLst>
   <p:sldIdLst>
     <p:sldId id="256" r:id="rId2"/>
@@ -23,29 +23,32 @@
     <p:sldId id="430" r:id="rId14"/>
     <p:sldId id="448" r:id="rId15"/>
     <p:sldId id="425" r:id="rId16"/>
-    <p:sldId id="433" r:id="rId17"/>
-    <p:sldId id="432" r:id="rId18"/>
-    <p:sldId id="450" r:id="rId19"/>
-    <p:sldId id="451" r:id="rId20"/>
-    <p:sldId id="431" r:id="rId21"/>
-    <p:sldId id="437" r:id="rId22"/>
-    <p:sldId id="438" r:id="rId23"/>
-    <p:sldId id="455" r:id="rId24"/>
-    <p:sldId id="456" r:id="rId25"/>
-    <p:sldId id="459" r:id="rId26"/>
-    <p:sldId id="457" r:id="rId27"/>
-    <p:sldId id="435" r:id="rId28"/>
-    <p:sldId id="439" r:id="rId29"/>
-    <p:sldId id="440" r:id="rId30"/>
-    <p:sldId id="460" r:id="rId31"/>
-    <p:sldId id="436" r:id="rId32"/>
-    <p:sldId id="442" r:id="rId33"/>
-    <p:sldId id="443" r:id="rId34"/>
-    <p:sldId id="461" r:id="rId35"/>
-    <p:sldId id="441" r:id="rId36"/>
-    <p:sldId id="387" r:id="rId37"/>
-    <p:sldId id="424" r:id="rId38"/>
-    <p:sldId id="331" r:id="rId39"/>
+    <p:sldId id="462" r:id="rId17"/>
+    <p:sldId id="463" r:id="rId18"/>
+    <p:sldId id="433" r:id="rId19"/>
+    <p:sldId id="464" r:id="rId20"/>
+    <p:sldId id="432" r:id="rId21"/>
+    <p:sldId id="450" r:id="rId22"/>
+    <p:sldId id="451" r:id="rId23"/>
+    <p:sldId id="431" r:id="rId24"/>
+    <p:sldId id="437" r:id="rId25"/>
+    <p:sldId id="438" r:id="rId26"/>
+    <p:sldId id="455" r:id="rId27"/>
+    <p:sldId id="456" r:id="rId28"/>
+    <p:sldId id="459" r:id="rId29"/>
+    <p:sldId id="457" r:id="rId30"/>
+    <p:sldId id="435" r:id="rId31"/>
+    <p:sldId id="439" r:id="rId32"/>
+    <p:sldId id="440" r:id="rId33"/>
+    <p:sldId id="460" r:id="rId34"/>
+    <p:sldId id="436" r:id="rId35"/>
+    <p:sldId id="442" r:id="rId36"/>
+    <p:sldId id="443" r:id="rId37"/>
+    <p:sldId id="461" r:id="rId38"/>
+    <p:sldId id="441" r:id="rId39"/>
+    <p:sldId id="387" r:id="rId40"/>
+    <p:sldId id="424" r:id="rId41"/>
+    <p:sldId id="331" r:id="rId42"/>
   </p:sldIdLst>
   <p:sldSz cx="12192000" cy="6858000"/>
   <p:notesSz cx="6858000" cy="9144000"/>
@@ -245,7 +248,7 @@
           <a:p>
             <a:fld id="{4771E3A2-6132-4759-8A78-76C831761E5C}" type="datetimeFigureOut">
               <a:rPr lang="fr-FR" smtClean="0"/>
-              <a:t>04/11/2018</a:t>
+              <a:t>05/11/2018</a:t>
             </a:fld>
             <a:endParaRPr lang="fr-FR"/>
           </a:p>
@@ -661,7 +664,7 @@
           <a:p>
             <a:fld id="{83B03462-FDCF-49B6-BCAF-5DA004C02C51}" type="slidenum">
               <a:rPr lang="fr-FR" smtClean="0"/>
-              <a:t>24</a:t>
+              <a:t>25</a:t>
             </a:fld>
             <a:endParaRPr lang="fr-FR"/>
           </a:p>
@@ -670,7 +673,7 @@
     </p:spTree>
     <p:extLst>
       <p:ext uri="{BB962C8B-B14F-4D97-AF65-F5344CB8AC3E}">
-        <p14:creationId xmlns:p14="http://schemas.microsoft.com/office/powerpoint/2010/main" val="2327388370"/>
+        <p14:creationId xmlns:p14="http://schemas.microsoft.com/office/powerpoint/2010/main" val="2471281064"/>
       </p:ext>
     </p:extLst>
   </p:cSld>
@@ -745,7 +748,7 @@
           <a:p>
             <a:fld id="{83B03462-FDCF-49B6-BCAF-5DA004C02C51}" type="slidenum">
               <a:rPr lang="fr-FR" smtClean="0"/>
-              <a:t>25</a:t>
+              <a:t>27</a:t>
             </a:fld>
             <a:endParaRPr lang="fr-FR"/>
           </a:p>
@@ -754,7 +757,7 @@
     </p:spTree>
     <p:extLst>
       <p:ext uri="{BB962C8B-B14F-4D97-AF65-F5344CB8AC3E}">
-        <p14:creationId xmlns:p14="http://schemas.microsoft.com/office/powerpoint/2010/main" val="3097733516"/>
+        <p14:creationId xmlns:p14="http://schemas.microsoft.com/office/powerpoint/2010/main" val="2327388370"/>
       </p:ext>
     </p:extLst>
   </p:cSld>
@@ -829,7 +832,7 @@
           <a:p>
             <a:fld id="{83B03462-FDCF-49B6-BCAF-5DA004C02C51}" type="slidenum">
               <a:rPr lang="fr-FR" smtClean="0"/>
-              <a:t>29</a:t>
+              <a:t>28</a:t>
             </a:fld>
             <a:endParaRPr lang="fr-FR"/>
           </a:p>
@@ -838,7 +841,7 @@
     </p:spTree>
     <p:extLst>
       <p:ext uri="{BB962C8B-B14F-4D97-AF65-F5344CB8AC3E}">
-        <p14:creationId xmlns:p14="http://schemas.microsoft.com/office/powerpoint/2010/main" val="3280802360"/>
+        <p14:creationId xmlns:p14="http://schemas.microsoft.com/office/powerpoint/2010/main" val="3097733516"/>
       </p:ext>
     </p:extLst>
   </p:cSld>
@@ -913,7 +916,91 @@
           <a:p>
             <a:fld id="{83B03462-FDCF-49B6-BCAF-5DA004C02C51}" type="slidenum">
               <a:rPr lang="fr-FR" smtClean="0"/>
-              <a:t>33</a:t>
+              <a:t>32</a:t>
+            </a:fld>
+            <a:endParaRPr lang="fr-FR"/>
+          </a:p>
+        </p:txBody>
+      </p:sp>
+    </p:spTree>
+    <p:extLst>
+      <p:ext uri="{BB962C8B-B14F-4D97-AF65-F5344CB8AC3E}">
+        <p14:creationId xmlns:p14="http://schemas.microsoft.com/office/powerpoint/2010/main" val="3280802360"/>
+      </p:ext>
+    </p:extLst>
+  </p:cSld>
+  <p:clrMapOvr>
+    <a:masterClrMapping/>
+  </p:clrMapOvr>
+</p:notes>
+</file>
+
+<file path=ppt/notesSlides/notesSlide14.xml><?xml version="1.0" encoding="utf-8"?>
+<p:notes xmlns:a="http://schemas.openxmlformats.org/drawingml/2006/main" xmlns:r="http://schemas.openxmlformats.org/officeDocument/2006/relationships" xmlns:p="http://schemas.openxmlformats.org/presentationml/2006/main">
+  <p:cSld>
+    <p:spTree>
+      <p:nvGrpSpPr>
+        <p:cNvPr id="1" name=""/>
+        <p:cNvGrpSpPr/>
+        <p:nvPr/>
+      </p:nvGrpSpPr>
+      <p:grpSpPr>
+        <a:xfrm>
+          <a:off x="0" y="0"/>
+          <a:ext cx="0" cy="0"/>
+          <a:chOff x="0" y="0"/>
+          <a:chExt cx="0" cy="0"/>
+        </a:xfrm>
+      </p:grpSpPr>
+      <p:sp>
+        <p:nvSpPr>
+          <p:cNvPr id="2" name="Espace réservé de l'image des diapositives 1"/>
+          <p:cNvSpPr>
+            <a:spLocks noGrp="1" noRot="1" noChangeAspect="1"/>
+          </p:cNvSpPr>
+          <p:nvPr>
+            <p:ph type="sldImg"/>
+          </p:nvPr>
+        </p:nvSpPr>
+        <p:spPr/>
+      </p:sp>
+      <p:sp>
+        <p:nvSpPr>
+          <p:cNvPr id="3" name="Espace réservé des notes 2"/>
+          <p:cNvSpPr>
+            <a:spLocks noGrp="1"/>
+          </p:cNvSpPr>
+          <p:nvPr>
+            <p:ph type="body" idx="1"/>
+          </p:nvPr>
+        </p:nvSpPr>
+        <p:spPr/>
+        <p:txBody>
+          <a:bodyPr/>
+          <a:lstStyle/>
+          <a:p>
+            <a:endParaRPr lang="fr-FR" dirty="0"/>
+          </a:p>
+        </p:txBody>
+      </p:sp>
+      <p:sp>
+        <p:nvSpPr>
+          <p:cNvPr id="4" name="Espace réservé du numéro de diapositive 3"/>
+          <p:cNvSpPr>
+            <a:spLocks noGrp="1"/>
+          </p:cNvSpPr>
+          <p:nvPr>
+            <p:ph type="sldNum" sz="quarter" idx="5"/>
+          </p:nvPr>
+        </p:nvSpPr>
+        <p:spPr/>
+        <p:txBody>
+          <a:bodyPr/>
+          <a:lstStyle/>
+          <a:p>
+            <a:fld id="{83B03462-FDCF-49B6-BCAF-5DA004C02C51}" type="slidenum">
+              <a:rPr lang="fr-FR" smtClean="0"/>
+              <a:t>36</a:t>
             </a:fld>
             <a:endParaRPr lang="fr-FR"/>
           </a:p>
@@ -1249,7 +1336,7 @@
           <a:p>
             <a:fld id="{83B03462-FDCF-49B6-BCAF-5DA004C02C51}" type="slidenum">
               <a:rPr lang="fr-FR" smtClean="0"/>
-              <a:t>16</a:t>
+              <a:t>17</a:t>
             </a:fld>
             <a:endParaRPr lang="fr-FR"/>
           </a:p>
@@ -1258,7 +1345,7 @@
     </p:spTree>
     <p:extLst>
       <p:ext uri="{BB962C8B-B14F-4D97-AF65-F5344CB8AC3E}">
-        <p14:creationId xmlns:p14="http://schemas.microsoft.com/office/powerpoint/2010/main" val="2417424473"/>
+        <p14:creationId xmlns:p14="http://schemas.microsoft.com/office/powerpoint/2010/main" val="3431376450"/>
       </p:ext>
     </p:extLst>
   </p:cSld>
@@ -1333,7 +1420,7 @@
           <a:p>
             <a:fld id="{83B03462-FDCF-49B6-BCAF-5DA004C02C51}" type="slidenum">
               <a:rPr lang="fr-FR" smtClean="0"/>
-              <a:t>17</a:t>
+              <a:t>18</a:t>
             </a:fld>
             <a:endParaRPr lang="fr-FR"/>
           </a:p>
@@ -1342,7 +1429,7 @@
     </p:spTree>
     <p:extLst>
       <p:ext uri="{BB962C8B-B14F-4D97-AF65-F5344CB8AC3E}">
-        <p14:creationId xmlns:p14="http://schemas.microsoft.com/office/powerpoint/2010/main" val="3120810537"/>
+        <p14:creationId xmlns:p14="http://schemas.microsoft.com/office/powerpoint/2010/main" val="2417424473"/>
       </p:ext>
     </p:extLst>
   </p:cSld>
@@ -1417,7 +1504,7 @@
           <a:p>
             <a:fld id="{83B03462-FDCF-49B6-BCAF-5DA004C02C51}" type="slidenum">
               <a:rPr lang="fr-FR" smtClean="0"/>
-              <a:t>18</a:t>
+              <a:t>20</a:t>
             </a:fld>
             <a:endParaRPr lang="fr-FR"/>
           </a:p>
@@ -1426,7 +1513,7 @@
     </p:spTree>
     <p:extLst>
       <p:ext uri="{BB962C8B-B14F-4D97-AF65-F5344CB8AC3E}">
-        <p14:creationId xmlns:p14="http://schemas.microsoft.com/office/powerpoint/2010/main" val="706860672"/>
+        <p14:creationId xmlns:p14="http://schemas.microsoft.com/office/powerpoint/2010/main" val="3120810537"/>
       </p:ext>
     </p:extLst>
   </p:cSld>
@@ -1501,7 +1588,7 @@
           <a:p>
             <a:fld id="{83B03462-FDCF-49B6-BCAF-5DA004C02C51}" type="slidenum">
               <a:rPr lang="fr-FR" smtClean="0"/>
-              <a:t>19</a:t>
+              <a:t>21</a:t>
             </a:fld>
             <a:endParaRPr lang="fr-FR"/>
           </a:p>
@@ -1510,7 +1597,7 @@
     </p:spTree>
     <p:extLst>
       <p:ext uri="{BB962C8B-B14F-4D97-AF65-F5344CB8AC3E}">
-        <p14:creationId xmlns:p14="http://schemas.microsoft.com/office/powerpoint/2010/main" val="2458739877"/>
+        <p14:creationId xmlns:p14="http://schemas.microsoft.com/office/powerpoint/2010/main" val="706860672"/>
       </p:ext>
     </p:extLst>
   </p:cSld>
@@ -1594,7 +1681,7 @@
     </p:spTree>
     <p:extLst>
       <p:ext uri="{BB962C8B-B14F-4D97-AF65-F5344CB8AC3E}">
-        <p14:creationId xmlns:p14="http://schemas.microsoft.com/office/powerpoint/2010/main" val="2471281064"/>
+        <p14:creationId xmlns:p14="http://schemas.microsoft.com/office/powerpoint/2010/main" val="2458739877"/>
       </p:ext>
     </p:extLst>
   </p:cSld>
@@ -8107,7 +8194,21 @@
           <a:p>
             <a:r>
               <a:rPr lang="en-US" dirty="0"/>
-              <a:t>Pendant la coupe du monde 2014, </a:t>
+              <a:t>Un </a:t>
+            </a:r>
+            <a:r>
+              <a:rPr lang="en-US" dirty="0" err="1"/>
+              <a:t>exemple</a:t>
+            </a:r>
+            <a:r>
+              <a:rPr lang="en-US" dirty="0"/>
+              <a:t> pendant la coupe du monde 2014.</a:t>
+            </a:r>
+          </a:p>
+          <a:p>
+            <a:r>
+              <a:rPr lang="en-US" dirty="0"/>
+              <a:t>Match </a:t>
             </a:r>
             <a:r>
               <a:rPr lang="en-US" dirty="0" err="1"/>
@@ -8123,13 +8224,7 @@
             </a:r>
             <a:r>
               <a:rPr lang="en-US" dirty="0"/>
-              <a:t>.</a:t>
-            </a:r>
-          </a:p>
-          <a:p>
-            <a:r>
-              <a:rPr lang="en-US" dirty="0"/>
-              <a:t>Le </a:t>
+              <a:t>, le </a:t>
             </a:r>
             <a:r>
               <a:rPr lang="en-US" dirty="0" err="1"/>
@@ -8137,7 +8232,7 @@
             </a:r>
             <a:r>
               <a:rPr lang="en-US" dirty="0"/>
-              <a:t> final </a:t>
+              <a:t> </a:t>
             </a:r>
             <a:r>
               <a:rPr lang="en-US" dirty="0" err="1"/>
@@ -8193,16 +8288,20 @@
           <a:p>
             <a:pPr lvl="1"/>
             <a:r>
+              <a:rPr lang="en-US" u="sng" dirty="0"/>
+              <a:t>Frappes </a:t>
+            </a:r>
+            <a:r>
+              <a:rPr lang="en-US" u="sng" dirty="0" err="1"/>
+              <a:t>totales</a:t>
+            </a:r>
+            <a:r>
+              <a:rPr lang="en-US" u="sng" dirty="0"/>
+              <a:t> : </a:t>
+            </a:r>
+            <a:r>
               <a:rPr lang="en-US" dirty="0"/>
-              <a:t>Frappes </a:t>
-            </a:r>
-            <a:r>
-              <a:rPr lang="en-US" dirty="0" err="1"/>
-              <a:t>totales</a:t>
-            </a:r>
-            <a:r>
-              <a:rPr lang="en-US" dirty="0"/>
-              <a:t> : 18 pour le </a:t>
+              <a:t>18 pour le </a:t>
             </a:r>
             <a:r>
               <a:rPr lang="en-US" dirty="0" err="1"/>
@@ -8221,16 +8320,20 @@
           <a:p>
             <a:pPr lvl="1"/>
             <a:r>
+              <a:rPr lang="en-US" u="sng" dirty="0"/>
+              <a:t>Frappes </a:t>
+            </a:r>
+            <a:r>
+              <a:rPr lang="en-US" u="sng" dirty="0" err="1"/>
+              <a:t>cadrées</a:t>
+            </a:r>
+            <a:r>
+              <a:rPr lang="en-US" u="sng" dirty="0"/>
+              <a:t> : </a:t>
+            </a:r>
+            <a:r>
               <a:rPr lang="en-US" dirty="0"/>
-              <a:t>Frappes </a:t>
-            </a:r>
-            <a:r>
-              <a:rPr lang="en-US" dirty="0" err="1"/>
-              <a:t>cadrées</a:t>
-            </a:r>
-            <a:r>
-              <a:rPr lang="en-US" dirty="0"/>
-              <a:t> : 13 pour le </a:t>
+              <a:t>13 pour le </a:t>
             </a:r>
             <a:r>
               <a:rPr lang="en-US" dirty="0" err="1"/>
@@ -8816,7 +8919,7 @@
           <a:p>
             <a:r>
               <a:rPr lang="fr-FR" dirty="0"/>
-              <a:t>Année 2012.</a:t>
+              <a:t>Données de l’année 2012 d’un championnat européen.</a:t>
             </a:r>
           </a:p>
           <a:p>
@@ -9491,6 +9594,58 @@
           </a:p>
         </p:txBody>
       </p:sp>
+      <p:sp>
+        <p:nvSpPr>
+          <p:cNvPr id="9" name="Rectangle : coins arrondis 8">
+            <a:extLst>
+              <a:ext uri="{FF2B5EF4-FFF2-40B4-BE49-F238E27FC236}">
+                <a16:creationId xmlns:a16="http://schemas.microsoft.com/office/drawing/2014/main" id="{FBF10737-A8E6-439E-9593-C075FCE3B84B}"/>
+              </a:ext>
+            </a:extLst>
+          </p:cNvPr>
+          <p:cNvSpPr/>
+          <p:nvPr/>
+        </p:nvSpPr>
+        <p:spPr>
+          <a:xfrm rot="5400000">
+            <a:off x="7381179" y="1794997"/>
+            <a:ext cx="372721" cy="5570999"/>
+          </a:xfrm>
+          <a:prstGeom prst="roundRect">
+            <a:avLst/>
+          </a:prstGeom>
+          <a:noFill/>
+          <a:ln w="38100">
+            <a:solidFill>
+              <a:srgbClr val="FF0000"/>
+            </a:solidFill>
+          </a:ln>
+        </p:spPr>
+        <p:style>
+          <a:lnRef idx="2">
+            <a:schemeClr val="accent1">
+              <a:shade val="50000"/>
+            </a:schemeClr>
+          </a:lnRef>
+          <a:fillRef idx="1">
+            <a:schemeClr val="accent1"/>
+          </a:fillRef>
+          <a:effectRef idx="0">
+            <a:schemeClr val="accent1"/>
+          </a:effectRef>
+          <a:fontRef idx="minor">
+            <a:schemeClr val="lt1"/>
+          </a:fontRef>
+        </p:style>
+        <p:txBody>
+          <a:bodyPr rtlCol="0" anchor="ctr"/>
+          <a:lstStyle/>
+          <a:p>
+            <a:pPr algn="ctr"/>
+            <a:endParaRPr lang="fr-FR"/>
+          </a:p>
+        </p:txBody>
+      </p:sp>
     </p:spTree>
     <p:extLst>
       <p:ext uri="{BB962C8B-B14F-4D97-AF65-F5344CB8AC3E}">
@@ -9616,7 +9771,7 @@
                             </p:stCondLst>
                             <p:childTnLst>
                               <p:par>
-                                <p:cTn id="13" presetID="1" presetClass="entr" presetSubtype="0" fill="hold" nodeType="clickEffect">
+                                <p:cTn id="13" presetID="1" presetClass="entr" presetSubtype="0" fill="hold" grpId="0" nodeType="clickEffect">
                                   <p:stCondLst>
                                     <p:cond delay="0"/>
                                   </p:stCondLst>
@@ -9624,6 +9779,51 @@
                                     <p:set>
                                       <p:cBhvr>
                                         <p:cTn id="14" dur="1" fill="hold">
+                                          <p:stCondLst>
+                                            <p:cond delay="0"/>
+                                          </p:stCondLst>
+                                        </p:cTn>
+                                        <p:tgtEl>
+                                          <p:spTgt spid="9"/>
+                                        </p:tgtEl>
+                                        <p:attrNameLst>
+                                          <p:attrName>style.visibility</p:attrName>
+                                        </p:attrNameLst>
+                                      </p:cBhvr>
+                                      <p:to>
+                                        <p:strVal val="visible"/>
+                                      </p:to>
+                                    </p:set>
+                                  </p:childTnLst>
+                                </p:cTn>
+                              </p:par>
+                            </p:childTnLst>
+                          </p:cTn>
+                        </p:par>
+                      </p:childTnLst>
+                    </p:cTn>
+                  </p:par>
+                  <p:par>
+                    <p:cTn id="15" fill="hold">
+                      <p:stCondLst>
+                        <p:cond delay="indefinite"/>
+                      </p:stCondLst>
+                      <p:childTnLst>
+                        <p:par>
+                          <p:cTn id="16" fill="hold">
+                            <p:stCondLst>
+                              <p:cond delay="0"/>
+                            </p:stCondLst>
+                            <p:childTnLst>
+                              <p:par>
+                                <p:cTn id="17" presetID="1" presetClass="entr" presetSubtype="0" fill="hold" nodeType="clickEffect">
+                                  <p:stCondLst>
+                                    <p:cond delay="0"/>
+                                  </p:stCondLst>
+                                  <p:childTnLst>
+                                    <p:set>
+                                      <p:cBhvr>
+                                        <p:cTn id="18" dur="1" fill="hold">
                                           <p:stCondLst>
                                             <p:cond delay="0"/>
                                           </p:stCondLst>
@@ -9650,20 +9850,20 @@
                           </p:cTn>
                         </p:par>
                         <p:par>
-                          <p:cTn id="15" fill="hold">
+                          <p:cTn id="19" fill="hold">
                             <p:stCondLst>
                               <p:cond delay="0"/>
                             </p:stCondLst>
                             <p:childTnLst>
                               <p:par>
-                                <p:cTn id="16" presetID="1" presetClass="entr" presetSubtype="0" fill="hold" grpId="0" nodeType="afterEffect">
+                                <p:cTn id="20" presetID="1" presetClass="entr" presetSubtype="0" fill="hold" grpId="0" nodeType="afterEffect">
                                   <p:stCondLst>
                                     <p:cond delay="0"/>
                                   </p:stCondLst>
                                   <p:childTnLst>
                                     <p:set>
                                       <p:cBhvr>
-                                        <p:cTn id="17" dur="1" fill="hold">
+                                        <p:cTn id="21" dur="1" fill="hold">
                                           <p:stCondLst>
                                             <p:cond delay="0"/>
                                           </p:stCondLst>
@@ -9711,6 +9911,7 @@
     </p:tnLst>
     <p:bldLst>
       <p:bldP spid="8" grpId="0" animBg="1"/>
+      <p:bldP spid="9" grpId="0" animBg="1"/>
     </p:bldLst>
   </p:timing>
 </p:sld>
@@ -10838,6 +11039,1348 @@
       </p:grpSpPr>
       <p:sp>
         <p:nvSpPr>
+          <p:cNvPr id="2" name="Titre 1">
+            <a:extLst>
+              <a:ext uri="{FF2B5EF4-FFF2-40B4-BE49-F238E27FC236}">
+                <a16:creationId xmlns:a16="http://schemas.microsoft.com/office/drawing/2014/main" id="{CB51DF4C-5E25-452D-80DF-2F6A03D71609}"/>
+              </a:ext>
+            </a:extLst>
+          </p:cNvPr>
+          <p:cNvSpPr>
+            <a:spLocks noGrp="1"/>
+          </p:cNvSpPr>
+          <p:nvPr>
+            <p:ph type="title"/>
+          </p:nvPr>
+        </p:nvSpPr>
+        <p:spPr/>
+        <p:txBody>
+          <a:bodyPr/>
+          <a:lstStyle/>
+          <a:p>
+            <a:r>
+              <a:rPr lang="fr-FR" dirty="0"/>
+              <a:t>Un peu de vocabulaire</a:t>
+            </a:r>
+          </a:p>
+        </p:txBody>
+      </p:sp>
+      <p:sp>
+        <p:nvSpPr>
+          <p:cNvPr id="3" name="Espace réservé du contenu 2">
+            <a:extLst>
+              <a:ext uri="{FF2B5EF4-FFF2-40B4-BE49-F238E27FC236}">
+                <a16:creationId xmlns:a16="http://schemas.microsoft.com/office/drawing/2014/main" id="{F63FEA36-13EF-454B-9D20-89C704854341}"/>
+              </a:ext>
+            </a:extLst>
+          </p:cNvPr>
+          <p:cNvSpPr>
+            <a:spLocks noGrp="1"/>
+          </p:cNvSpPr>
+          <p:nvPr>
+            <p:ph idx="1"/>
+          </p:nvPr>
+        </p:nvSpPr>
+        <p:spPr/>
+        <p:txBody>
+          <a:bodyPr/>
+          <a:lstStyle/>
+          <a:p>
+            <a:r>
+              <a:rPr lang="fr-FR" dirty="0"/>
+              <a:t>Cote d’une équipe :</a:t>
+            </a:r>
+          </a:p>
+          <a:p>
+            <a:pPr lvl="1"/>
+            <a:r>
+              <a:rPr lang="fr-FR" dirty="0"/>
+              <a:t>Rapport entre les chances de perdre et celles de gagner qu'offre un cheval dans une course. </a:t>
+            </a:r>
+          </a:p>
+          <a:p>
+            <a:pPr lvl="1"/>
+            <a:r>
+              <a:rPr lang="fr-FR" dirty="0"/>
+              <a:t>La cote d'un cheval est à 11 quand il est présumé avoir dix chances de perdre contre une seule de gagner.</a:t>
+            </a:r>
+          </a:p>
+          <a:p>
+            <a:r>
+              <a:rPr lang="fr-FR" dirty="0"/>
+              <a:t>Equipe favorite/non-favorite :</a:t>
+            </a:r>
+          </a:p>
+          <a:p>
+            <a:pPr lvl="1"/>
+            <a:r>
+              <a:rPr lang="fr-FR" dirty="0"/>
+              <a:t>Favorite : équipe ayant la cote la plus basse.</a:t>
+            </a:r>
+          </a:p>
+          <a:p>
+            <a:pPr lvl="1"/>
+            <a:r>
+              <a:rPr lang="fr-FR" dirty="0"/>
+              <a:t>Non-favorite (ou </a:t>
+            </a:r>
+            <a:r>
+              <a:rPr lang="fr-FR" dirty="0" err="1"/>
+              <a:t>underdog</a:t>
+            </a:r>
+            <a:r>
+              <a:rPr lang="fr-FR" dirty="0"/>
+              <a:t>) : équipe ayant la cote la plus haute.</a:t>
+            </a:r>
+          </a:p>
+        </p:txBody>
+      </p:sp>
+      <p:sp>
+        <p:nvSpPr>
+          <p:cNvPr id="4" name="Flèche droite 4">
+            <a:extLst>
+              <a:ext uri="{FF2B5EF4-FFF2-40B4-BE49-F238E27FC236}">
+                <a16:creationId xmlns:a16="http://schemas.microsoft.com/office/drawing/2014/main" id="{185F71B2-766A-4C7F-B2E4-3112305E1939}"/>
+              </a:ext>
+            </a:extLst>
+          </p:cNvPr>
+          <p:cNvSpPr/>
+          <p:nvPr/>
+        </p:nvSpPr>
+        <p:spPr>
+          <a:xfrm>
+            <a:off x="11736625" y="6488757"/>
+            <a:ext cx="432048" cy="360040"/>
+          </a:xfrm>
+          <a:prstGeom prst="rightArrow">
+            <a:avLst/>
+          </a:prstGeom>
+          <a:ln/>
+        </p:spPr>
+        <p:style>
+          <a:lnRef idx="0">
+            <a:schemeClr val="dk1"/>
+          </a:lnRef>
+          <a:fillRef idx="3">
+            <a:schemeClr val="dk1"/>
+          </a:fillRef>
+          <a:effectRef idx="3">
+            <a:schemeClr val="dk1"/>
+          </a:effectRef>
+          <a:fontRef idx="minor">
+            <a:schemeClr val="lt1"/>
+          </a:fontRef>
+        </p:style>
+        <p:txBody>
+          <a:bodyPr rtlCol="0" anchor="ctr"/>
+          <a:lstStyle/>
+          <a:p>
+            <a:pPr algn="ctr"/>
+            <a:endParaRPr lang="fr-FR"/>
+          </a:p>
+        </p:txBody>
+      </p:sp>
+    </p:spTree>
+    <p:extLst>
+      <p:ext uri="{BB962C8B-B14F-4D97-AF65-F5344CB8AC3E}">
+        <p14:creationId xmlns:p14="http://schemas.microsoft.com/office/powerpoint/2010/main" val="2833232790"/>
+      </p:ext>
+    </p:extLst>
+  </p:cSld>
+  <p:clrMapOvr>
+    <a:masterClrMapping/>
+  </p:clrMapOvr>
+  <p:timing>
+    <p:tnLst>
+      <p:par>
+        <p:cTn id="1" dur="indefinite" restart="never" nodeType="tmRoot">
+          <p:childTnLst>
+            <p:seq concurrent="1" nextAc="seek">
+              <p:cTn id="2" dur="indefinite" nodeType="mainSeq">
+                <p:childTnLst>
+                  <p:par>
+                    <p:cTn id="3" fill="hold">
+                      <p:stCondLst>
+                        <p:cond delay="indefinite"/>
+                      </p:stCondLst>
+                      <p:childTnLst>
+                        <p:par>
+                          <p:cTn id="4" fill="hold">
+                            <p:stCondLst>
+                              <p:cond delay="0"/>
+                            </p:stCondLst>
+                            <p:childTnLst>
+                              <p:par>
+                                <p:cTn id="5" presetID="1" presetClass="entr" presetSubtype="0" fill="hold" nodeType="clickEffect">
+                                  <p:stCondLst>
+                                    <p:cond delay="0"/>
+                                  </p:stCondLst>
+                                  <p:childTnLst>
+                                    <p:set>
+                                      <p:cBhvr>
+                                        <p:cTn id="6" dur="1" fill="hold">
+                                          <p:stCondLst>
+                                            <p:cond delay="0"/>
+                                          </p:stCondLst>
+                                        </p:cTn>
+                                        <p:tgtEl>
+                                          <p:spTgt spid="3">
+                                            <p:txEl>
+                                              <p:pRg st="0" end="0"/>
+                                            </p:txEl>
+                                          </p:spTgt>
+                                        </p:tgtEl>
+                                        <p:attrNameLst>
+                                          <p:attrName>style.visibility</p:attrName>
+                                        </p:attrNameLst>
+                                      </p:cBhvr>
+                                      <p:to>
+                                        <p:strVal val="visible"/>
+                                      </p:to>
+                                    </p:set>
+                                  </p:childTnLst>
+                                </p:cTn>
+                              </p:par>
+                            </p:childTnLst>
+                          </p:cTn>
+                        </p:par>
+                      </p:childTnLst>
+                    </p:cTn>
+                  </p:par>
+                  <p:par>
+                    <p:cTn id="7" fill="hold">
+                      <p:stCondLst>
+                        <p:cond delay="indefinite"/>
+                      </p:stCondLst>
+                      <p:childTnLst>
+                        <p:par>
+                          <p:cTn id="8" fill="hold">
+                            <p:stCondLst>
+                              <p:cond delay="0"/>
+                            </p:stCondLst>
+                            <p:childTnLst>
+                              <p:par>
+                                <p:cTn id="9" presetID="1" presetClass="entr" presetSubtype="0" fill="hold" nodeType="clickEffect">
+                                  <p:stCondLst>
+                                    <p:cond delay="0"/>
+                                  </p:stCondLst>
+                                  <p:childTnLst>
+                                    <p:set>
+                                      <p:cBhvr>
+                                        <p:cTn id="10" dur="1" fill="hold">
+                                          <p:stCondLst>
+                                            <p:cond delay="0"/>
+                                          </p:stCondLst>
+                                        </p:cTn>
+                                        <p:tgtEl>
+                                          <p:spTgt spid="3">
+                                            <p:txEl>
+                                              <p:pRg st="1" end="1"/>
+                                            </p:txEl>
+                                          </p:spTgt>
+                                        </p:tgtEl>
+                                        <p:attrNameLst>
+                                          <p:attrName>style.visibility</p:attrName>
+                                        </p:attrNameLst>
+                                      </p:cBhvr>
+                                      <p:to>
+                                        <p:strVal val="visible"/>
+                                      </p:to>
+                                    </p:set>
+                                  </p:childTnLst>
+                                </p:cTn>
+                              </p:par>
+                            </p:childTnLst>
+                          </p:cTn>
+                        </p:par>
+                      </p:childTnLst>
+                    </p:cTn>
+                  </p:par>
+                  <p:par>
+                    <p:cTn id="11" fill="hold">
+                      <p:stCondLst>
+                        <p:cond delay="indefinite"/>
+                      </p:stCondLst>
+                      <p:childTnLst>
+                        <p:par>
+                          <p:cTn id="12" fill="hold">
+                            <p:stCondLst>
+                              <p:cond delay="0"/>
+                            </p:stCondLst>
+                            <p:childTnLst>
+                              <p:par>
+                                <p:cTn id="13" presetID="1" presetClass="entr" presetSubtype="0" fill="hold" nodeType="clickEffect">
+                                  <p:stCondLst>
+                                    <p:cond delay="0"/>
+                                  </p:stCondLst>
+                                  <p:childTnLst>
+                                    <p:set>
+                                      <p:cBhvr>
+                                        <p:cTn id="14" dur="1" fill="hold">
+                                          <p:stCondLst>
+                                            <p:cond delay="0"/>
+                                          </p:stCondLst>
+                                        </p:cTn>
+                                        <p:tgtEl>
+                                          <p:spTgt spid="3">
+                                            <p:txEl>
+                                              <p:pRg st="2" end="2"/>
+                                            </p:txEl>
+                                          </p:spTgt>
+                                        </p:tgtEl>
+                                        <p:attrNameLst>
+                                          <p:attrName>style.visibility</p:attrName>
+                                        </p:attrNameLst>
+                                      </p:cBhvr>
+                                      <p:to>
+                                        <p:strVal val="visible"/>
+                                      </p:to>
+                                    </p:set>
+                                  </p:childTnLst>
+                                </p:cTn>
+                              </p:par>
+                            </p:childTnLst>
+                          </p:cTn>
+                        </p:par>
+                      </p:childTnLst>
+                    </p:cTn>
+                  </p:par>
+                  <p:par>
+                    <p:cTn id="15" fill="hold">
+                      <p:stCondLst>
+                        <p:cond delay="indefinite"/>
+                      </p:stCondLst>
+                      <p:childTnLst>
+                        <p:par>
+                          <p:cTn id="16" fill="hold">
+                            <p:stCondLst>
+                              <p:cond delay="0"/>
+                            </p:stCondLst>
+                            <p:childTnLst>
+                              <p:par>
+                                <p:cTn id="17" presetID="1" presetClass="entr" presetSubtype="0" fill="hold" nodeType="clickEffect">
+                                  <p:stCondLst>
+                                    <p:cond delay="0"/>
+                                  </p:stCondLst>
+                                  <p:childTnLst>
+                                    <p:set>
+                                      <p:cBhvr>
+                                        <p:cTn id="18" dur="1" fill="hold">
+                                          <p:stCondLst>
+                                            <p:cond delay="0"/>
+                                          </p:stCondLst>
+                                        </p:cTn>
+                                        <p:tgtEl>
+                                          <p:spTgt spid="3">
+                                            <p:txEl>
+                                              <p:pRg st="3" end="3"/>
+                                            </p:txEl>
+                                          </p:spTgt>
+                                        </p:tgtEl>
+                                        <p:attrNameLst>
+                                          <p:attrName>style.visibility</p:attrName>
+                                        </p:attrNameLst>
+                                      </p:cBhvr>
+                                      <p:to>
+                                        <p:strVal val="visible"/>
+                                      </p:to>
+                                    </p:set>
+                                  </p:childTnLst>
+                                </p:cTn>
+                              </p:par>
+                            </p:childTnLst>
+                          </p:cTn>
+                        </p:par>
+                      </p:childTnLst>
+                    </p:cTn>
+                  </p:par>
+                  <p:par>
+                    <p:cTn id="19" fill="hold">
+                      <p:stCondLst>
+                        <p:cond delay="indefinite"/>
+                      </p:stCondLst>
+                      <p:childTnLst>
+                        <p:par>
+                          <p:cTn id="20" fill="hold">
+                            <p:stCondLst>
+                              <p:cond delay="0"/>
+                            </p:stCondLst>
+                            <p:childTnLst>
+                              <p:par>
+                                <p:cTn id="21" presetID="1" presetClass="entr" presetSubtype="0" fill="hold" nodeType="clickEffect">
+                                  <p:stCondLst>
+                                    <p:cond delay="0"/>
+                                  </p:stCondLst>
+                                  <p:childTnLst>
+                                    <p:set>
+                                      <p:cBhvr>
+                                        <p:cTn id="22" dur="1" fill="hold">
+                                          <p:stCondLst>
+                                            <p:cond delay="0"/>
+                                          </p:stCondLst>
+                                        </p:cTn>
+                                        <p:tgtEl>
+                                          <p:spTgt spid="3">
+                                            <p:txEl>
+                                              <p:pRg st="4" end="4"/>
+                                            </p:txEl>
+                                          </p:spTgt>
+                                        </p:tgtEl>
+                                        <p:attrNameLst>
+                                          <p:attrName>style.visibility</p:attrName>
+                                        </p:attrNameLst>
+                                      </p:cBhvr>
+                                      <p:to>
+                                        <p:strVal val="visible"/>
+                                      </p:to>
+                                    </p:set>
+                                  </p:childTnLst>
+                                </p:cTn>
+                              </p:par>
+                            </p:childTnLst>
+                          </p:cTn>
+                        </p:par>
+                      </p:childTnLst>
+                    </p:cTn>
+                  </p:par>
+                  <p:par>
+                    <p:cTn id="23" fill="hold">
+                      <p:stCondLst>
+                        <p:cond delay="indefinite"/>
+                      </p:stCondLst>
+                      <p:childTnLst>
+                        <p:par>
+                          <p:cTn id="24" fill="hold">
+                            <p:stCondLst>
+                              <p:cond delay="0"/>
+                            </p:stCondLst>
+                            <p:childTnLst>
+                              <p:par>
+                                <p:cTn id="25" presetID="1" presetClass="entr" presetSubtype="0" fill="hold" nodeType="clickEffect">
+                                  <p:stCondLst>
+                                    <p:cond delay="0"/>
+                                  </p:stCondLst>
+                                  <p:childTnLst>
+                                    <p:set>
+                                      <p:cBhvr>
+                                        <p:cTn id="26" dur="1" fill="hold">
+                                          <p:stCondLst>
+                                            <p:cond delay="0"/>
+                                          </p:stCondLst>
+                                        </p:cTn>
+                                        <p:tgtEl>
+                                          <p:spTgt spid="3">
+                                            <p:txEl>
+                                              <p:pRg st="5" end="5"/>
+                                            </p:txEl>
+                                          </p:spTgt>
+                                        </p:tgtEl>
+                                        <p:attrNameLst>
+                                          <p:attrName>style.visibility</p:attrName>
+                                        </p:attrNameLst>
+                                      </p:cBhvr>
+                                      <p:to>
+                                        <p:strVal val="visible"/>
+                                      </p:to>
+                                    </p:set>
+                                  </p:childTnLst>
+                                </p:cTn>
+                              </p:par>
+                            </p:childTnLst>
+                          </p:cTn>
+                        </p:par>
+                        <p:par>
+                          <p:cTn id="27" fill="hold">
+                            <p:stCondLst>
+                              <p:cond delay="0"/>
+                            </p:stCondLst>
+                            <p:childTnLst>
+                              <p:par>
+                                <p:cTn id="28" presetID="1" presetClass="entr" presetSubtype="0" fill="hold" grpId="0" nodeType="afterEffect">
+                                  <p:stCondLst>
+                                    <p:cond delay="0"/>
+                                  </p:stCondLst>
+                                  <p:childTnLst>
+                                    <p:set>
+                                      <p:cBhvr>
+                                        <p:cTn id="29" dur="1" fill="hold">
+                                          <p:stCondLst>
+                                            <p:cond delay="0"/>
+                                          </p:stCondLst>
+                                        </p:cTn>
+                                        <p:tgtEl>
+                                          <p:spTgt spid="4"/>
+                                        </p:tgtEl>
+                                        <p:attrNameLst>
+                                          <p:attrName>style.visibility</p:attrName>
+                                        </p:attrNameLst>
+                                      </p:cBhvr>
+                                      <p:to>
+                                        <p:strVal val="visible"/>
+                                      </p:to>
+                                    </p:set>
+                                  </p:childTnLst>
+                                </p:cTn>
+                              </p:par>
+                            </p:childTnLst>
+                          </p:cTn>
+                        </p:par>
+                      </p:childTnLst>
+                    </p:cTn>
+                  </p:par>
+                </p:childTnLst>
+              </p:cTn>
+              <p:prevCondLst>
+                <p:cond evt="onPrev" delay="0">
+                  <p:tgtEl>
+                    <p:sldTgt/>
+                  </p:tgtEl>
+                </p:cond>
+              </p:prevCondLst>
+              <p:nextCondLst>
+                <p:cond evt="onNext" delay="0">
+                  <p:tgtEl>
+                    <p:sldTgt/>
+                  </p:tgtEl>
+                </p:cond>
+              </p:nextCondLst>
+            </p:seq>
+          </p:childTnLst>
+        </p:cTn>
+      </p:par>
+    </p:tnLst>
+    <p:bldLst>
+      <p:bldP spid="4" grpId="0" animBg="1"/>
+    </p:bldLst>
+  </p:timing>
+</p:sld>
+</file>
+
+<file path=ppt/slides/slide17.xml><?xml version="1.0" encoding="utf-8"?>
+<p:sld xmlns:a="http://schemas.openxmlformats.org/drawingml/2006/main" xmlns:r="http://schemas.openxmlformats.org/officeDocument/2006/relationships" xmlns:p="http://schemas.openxmlformats.org/presentationml/2006/main">
+  <p:cSld>
+    <p:spTree>
+      <p:nvGrpSpPr>
+        <p:cNvPr id="1" name=""/>
+        <p:cNvGrpSpPr/>
+        <p:nvPr/>
+      </p:nvGrpSpPr>
+      <p:grpSpPr>
+        <a:xfrm>
+          <a:off x="0" y="0"/>
+          <a:ext cx="0" cy="0"/>
+          <a:chOff x="0" y="0"/>
+          <a:chExt cx="0" cy="0"/>
+        </a:xfrm>
+      </p:grpSpPr>
+      <p:sp>
+        <p:nvSpPr>
+          <p:cNvPr id="2" name="Titre 1">
+            <a:extLst>
+              <a:ext uri="{FF2B5EF4-FFF2-40B4-BE49-F238E27FC236}">
+                <a16:creationId xmlns:a16="http://schemas.microsoft.com/office/drawing/2014/main" id="{CB51DF4C-5E25-452D-80DF-2F6A03D71609}"/>
+              </a:ext>
+            </a:extLst>
+          </p:cNvPr>
+          <p:cNvSpPr>
+            <a:spLocks noGrp="1"/>
+          </p:cNvSpPr>
+          <p:nvPr>
+            <p:ph type="title"/>
+          </p:nvPr>
+        </p:nvSpPr>
+        <p:spPr/>
+        <p:txBody>
+          <a:bodyPr/>
+          <a:lstStyle/>
+          <a:p>
+            <a:r>
+              <a:rPr lang="fr-FR" dirty="0"/>
+              <a:t>Un peu de vocabulaire</a:t>
+            </a:r>
+          </a:p>
+        </p:txBody>
+      </p:sp>
+      <p:sp>
+        <p:nvSpPr>
+          <p:cNvPr id="3" name="Espace réservé du contenu 2">
+            <a:extLst>
+              <a:ext uri="{FF2B5EF4-FFF2-40B4-BE49-F238E27FC236}">
+                <a16:creationId xmlns:a16="http://schemas.microsoft.com/office/drawing/2014/main" id="{F63FEA36-13EF-454B-9D20-89C704854341}"/>
+              </a:ext>
+            </a:extLst>
+          </p:cNvPr>
+          <p:cNvSpPr>
+            <a:spLocks noGrp="1"/>
+          </p:cNvSpPr>
+          <p:nvPr>
+            <p:ph idx="1"/>
+          </p:nvPr>
+        </p:nvSpPr>
+        <p:spPr/>
+        <p:txBody>
+          <a:bodyPr>
+            <a:normAutofit fontScale="92500" lnSpcReduction="10000"/>
+          </a:bodyPr>
+          <a:lstStyle/>
+          <a:p>
+            <a:r>
+              <a:rPr lang="fr-FR" dirty="0"/>
+              <a:t>Mise :</a:t>
+            </a:r>
+          </a:p>
+          <a:p>
+            <a:pPr lvl="1"/>
+            <a:r>
+              <a:rPr lang="fr-FR" dirty="0"/>
+              <a:t>Somme d’argent parié.</a:t>
+            </a:r>
+          </a:p>
+          <a:p>
+            <a:r>
+              <a:rPr lang="fr-FR" dirty="0"/>
+              <a:t>Parier :</a:t>
+            </a:r>
+          </a:p>
+          <a:p>
+            <a:pPr lvl="1"/>
+            <a:r>
+              <a:rPr lang="fr-FR" dirty="0"/>
+              <a:t>Action de miser sur une cote.</a:t>
+            </a:r>
+          </a:p>
+          <a:p>
+            <a:pPr lvl="1"/>
+            <a:r>
+              <a:rPr lang="fr-FR" dirty="0"/>
+              <a:t>Un pari est gagné ou perdu :</a:t>
+            </a:r>
+          </a:p>
+          <a:p>
+            <a:pPr lvl="2"/>
+            <a:r>
+              <a:rPr lang="fr-FR" dirty="0">
+                <a:solidFill>
+                  <a:srgbClr val="00B0F0"/>
+                </a:solidFill>
+              </a:rPr>
+              <a:t>Gagné : </a:t>
+            </a:r>
+            <a:r>
+              <a:rPr lang="fr-FR" dirty="0"/>
+              <a:t>Le parieur remporte </a:t>
+            </a:r>
+            <a:r>
+              <a:rPr lang="fr-FR" dirty="0">
+                <a:solidFill>
+                  <a:srgbClr val="FF0000"/>
+                </a:solidFill>
+              </a:rPr>
+              <a:t>mise * cote</a:t>
+            </a:r>
+            <a:r>
+              <a:rPr lang="fr-FR" dirty="0"/>
+              <a:t>.</a:t>
+            </a:r>
+          </a:p>
+          <a:p>
+            <a:pPr lvl="2"/>
+            <a:r>
+              <a:rPr lang="fr-FR" dirty="0">
+                <a:solidFill>
+                  <a:schemeClr val="tx1"/>
+                </a:solidFill>
+              </a:rPr>
+              <a:t>Le gain net est de (mise*(cote-1))</a:t>
+            </a:r>
+          </a:p>
+          <a:p>
+            <a:pPr lvl="3"/>
+            <a:r>
+              <a:rPr lang="fr-FR" dirty="0">
+                <a:solidFill>
+                  <a:schemeClr val="tx1"/>
+                </a:solidFill>
+              </a:rPr>
+              <a:t>Exemple d’une mise de 3 € sur un cote de 2.5</a:t>
+            </a:r>
+          </a:p>
+          <a:p>
+            <a:pPr lvl="4"/>
+            <a:r>
+              <a:rPr lang="fr-FR" dirty="0">
+                <a:solidFill>
+                  <a:schemeClr val="tx1"/>
+                </a:solidFill>
+              </a:rPr>
+              <a:t>Gain net : (3*(2.5-1))=4,5 €</a:t>
+            </a:r>
+          </a:p>
+          <a:p>
+            <a:pPr lvl="2"/>
+            <a:r>
+              <a:rPr lang="fr-FR" dirty="0">
+                <a:solidFill>
+                  <a:srgbClr val="00B0F0"/>
+                </a:solidFill>
+              </a:rPr>
+              <a:t>Perdu : </a:t>
+            </a:r>
+            <a:r>
+              <a:rPr lang="fr-FR" dirty="0"/>
+              <a:t>Le parieur perd la </a:t>
+            </a:r>
+            <a:r>
+              <a:rPr lang="fr-FR" dirty="0">
+                <a:solidFill>
+                  <a:srgbClr val="FF0000"/>
+                </a:solidFill>
+              </a:rPr>
+              <a:t>mise</a:t>
+            </a:r>
+            <a:r>
+              <a:rPr lang="fr-FR" dirty="0"/>
+              <a:t>.</a:t>
+            </a:r>
+          </a:p>
+        </p:txBody>
+      </p:sp>
+      <p:sp>
+        <p:nvSpPr>
+          <p:cNvPr id="4" name="Flèche droite 4">
+            <a:extLst>
+              <a:ext uri="{FF2B5EF4-FFF2-40B4-BE49-F238E27FC236}">
+                <a16:creationId xmlns:a16="http://schemas.microsoft.com/office/drawing/2014/main" id="{0B5BEF80-734D-4012-9BE7-A2AE6485D422}"/>
+              </a:ext>
+            </a:extLst>
+          </p:cNvPr>
+          <p:cNvSpPr/>
+          <p:nvPr/>
+        </p:nvSpPr>
+        <p:spPr>
+          <a:xfrm>
+            <a:off x="11736625" y="6488757"/>
+            <a:ext cx="432048" cy="360040"/>
+          </a:xfrm>
+          <a:prstGeom prst="rightArrow">
+            <a:avLst/>
+          </a:prstGeom>
+          <a:ln/>
+        </p:spPr>
+        <p:style>
+          <a:lnRef idx="0">
+            <a:schemeClr val="dk1"/>
+          </a:lnRef>
+          <a:fillRef idx="3">
+            <a:schemeClr val="dk1"/>
+          </a:fillRef>
+          <a:effectRef idx="3">
+            <a:schemeClr val="dk1"/>
+          </a:effectRef>
+          <a:fontRef idx="minor">
+            <a:schemeClr val="lt1"/>
+          </a:fontRef>
+        </p:style>
+        <p:txBody>
+          <a:bodyPr rtlCol="0" anchor="ctr"/>
+          <a:lstStyle/>
+          <a:p>
+            <a:pPr algn="ctr"/>
+            <a:endParaRPr lang="fr-FR"/>
+          </a:p>
+        </p:txBody>
+      </p:sp>
+    </p:spTree>
+    <p:extLst>
+      <p:ext uri="{BB962C8B-B14F-4D97-AF65-F5344CB8AC3E}">
+        <p14:creationId xmlns:p14="http://schemas.microsoft.com/office/powerpoint/2010/main" val="2081458157"/>
+      </p:ext>
+    </p:extLst>
+  </p:cSld>
+  <p:clrMapOvr>
+    <a:masterClrMapping/>
+  </p:clrMapOvr>
+  <p:timing>
+    <p:tnLst>
+      <p:par>
+        <p:cTn id="1" dur="indefinite" restart="never" nodeType="tmRoot">
+          <p:childTnLst>
+            <p:seq concurrent="1" nextAc="seek">
+              <p:cTn id="2" dur="indefinite" nodeType="mainSeq">
+                <p:childTnLst>
+                  <p:par>
+                    <p:cTn id="3" fill="hold">
+                      <p:stCondLst>
+                        <p:cond delay="indefinite"/>
+                      </p:stCondLst>
+                      <p:childTnLst>
+                        <p:par>
+                          <p:cTn id="4" fill="hold">
+                            <p:stCondLst>
+                              <p:cond delay="0"/>
+                            </p:stCondLst>
+                            <p:childTnLst>
+                              <p:par>
+                                <p:cTn id="5" presetID="1" presetClass="entr" presetSubtype="0" fill="hold" nodeType="clickEffect">
+                                  <p:stCondLst>
+                                    <p:cond delay="0"/>
+                                  </p:stCondLst>
+                                  <p:childTnLst>
+                                    <p:set>
+                                      <p:cBhvr>
+                                        <p:cTn id="6" dur="1" fill="hold">
+                                          <p:stCondLst>
+                                            <p:cond delay="0"/>
+                                          </p:stCondLst>
+                                        </p:cTn>
+                                        <p:tgtEl>
+                                          <p:spTgt spid="3">
+                                            <p:txEl>
+                                              <p:pRg st="0" end="0"/>
+                                            </p:txEl>
+                                          </p:spTgt>
+                                        </p:tgtEl>
+                                        <p:attrNameLst>
+                                          <p:attrName>style.visibility</p:attrName>
+                                        </p:attrNameLst>
+                                      </p:cBhvr>
+                                      <p:to>
+                                        <p:strVal val="visible"/>
+                                      </p:to>
+                                    </p:set>
+                                  </p:childTnLst>
+                                </p:cTn>
+                              </p:par>
+                            </p:childTnLst>
+                          </p:cTn>
+                        </p:par>
+                      </p:childTnLst>
+                    </p:cTn>
+                  </p:par>
+                  <p:par>
+                    <p:cTn id="7" fill="hold">
+                      <p:stCondLst>
+                        <p:cond delay="indefinite"/>
+                      </p:stCondLst>
+                      <p:childTnLst>
+                        <p:par>
+                          <p:cTn id="8" fill="hold">
+                            <p:stCondLst>
+                              <p:cond delay="0"/>
+                            </p:stCondLst>
+                            <p:childTnLst>
+                              <p:par>
+                                <p:cTn id="9" presetID="1" presetClass="entr" presetSubtype="0" fill="hold" nodeType="clickEffect">
+                                  <p:stCondLst>
+                                    <p:cond delay="0"/>
+                                  </p:stCondLst>
+                                  <p:childTnLst>
+                                    <p:set>
+                                      <p:cBhvr>
+                                        <p:cTn id="10" dur="1" fill="hold">
+                                          <p:stCondLst>
+                                            <p:cond delay="0"/>
+                                          </p:stCondLst>
+                                        </p:cTn>
+                                        <p:tgtEl>
+                                          <p:spTgt spid="3">
+                                            <p:txEl>
+                                              <p:pRg st="1" end="1"/>
+                                            </p:txEl>
+                                          </p:spTgt>
+                                        </p:tgtEl>
+                                        <p:attrNameLst>
+                                          <p:attrName>style.visibility</p:attrName>
+                                        </p:attrNameLst>
+                                      </p:cBhvr>
+                                      <p:to>
+                                        <p:strVal val="visible"/>
+                                      </p:to>
+                                    </p:set>
+                                  </p:childTnLst>
+                                </p:cTn>
+                              </p:par>
+                            </p:childTnLst>
+                          </p:cTn>
+                        </p:par>
+                      </p:childTnLst>
+                    </p:cTn>
+                  </p:par>
+                  <p:par>
+                    <p:cTn id="11" fill="hold">
+                      <p:stCondLst>
+                        <p:cond delay="indefinite"/>
+                      </p:stCondLst>
+                      <p:childTnLst>
+                        <p:par>
+                          <p:cTn id="12" fill="hold">
+                            <p:stCondLst>
+                              <p:cond delay="0"/>
+                            </p:stCondLst>
+                            <p:childTnLst>
+                              <p:par>
+                                <p:cTn id="13" presetID="1" presetClass="entr" presetSubtype="0" fill="hold" nodeType="clickEffect">
+                                  <p:stCondLst>
+                                    <p:cond delay="0"/>
+                                  </p:stCondLst>
+                                  <p:childTnLst>
+                                    <p:set>
+                                      <p:cBhvr>
+                                        <p:cTn id="14" dur="1" fill="hold">
+                                          <p:stCondLst>
+                                            <p:cond delay="0"/>
+                                          </p:stCondLst>
+                                        </p:cTn>
+                                        <p:tgtEl>
+                                          <p:spTgt spid="3">
+                                            <p:txEl>
+                                              <p:pRg st="2" end="2"/>
+                                            </p:txEl>
+                                          </p:spTgt>
+                                        </p:tgtEl>
+                                        <p:attrNameLst>
+                                          <p:attrName>style.visibility</p:attrName>
+                                        </p:attrNameLst>
+                                      </p:cBhvr>
+                                      <p:to>
+                                        <p:strVal val="visible"/>
+                                      </p:to>
+                                    </p:set>
+                                  </p:childTnLst>
+                                </p:cTn>
+                              </p:par>
+                            </p:childTnLst>
+                          </p:cTn>
+                        </p:par>
+                      </p:childTnLst>
+                    </p:cTn>
+                  </p:par>
+                  <p:par>
+                    <p:cTn id="15" fill="hold">
+                      <p:stCondLst>
+                        <p:cond delay="indefinite"/>
+                      </p:stCondLst>
+                      <p:childTnLst>
+                        <p:par>
+                          <p:cTn id="16" fill="hold">
+                            <p:stCondLst>
+                              <p:cond delay="0"/>
+                            </p:stCondLst>
+                            <p:childTnLst>
+                              <p:par>
+                                <p:cTn id="17" presetID="1" presetClass="entr" presetSubtype="0" fill="hold" nodeType="clickEffect">
+                                  <p:stCondLst>
+                                    <p:cond delay="0"/>
+                                  </p:stCondLst>
+                                  <p:childTnLst>
+                                    <p:set>
+                                      <p:cBhvr>
+                                        <p:cTn id="18" dur="1" fill="hold">
+                                          <p:stCondLst>
+                                            <p:cond delay="0"/>
+                                          </p:stCondLst>
+                                        </p:cTn>
+                                        <p:tgtEl>
+                                          <p:spTgt spid="3">
+                                            <p:txEl>
+                                              <p:pRg st="3" end="3"/>
+                                            </p:txEl>
+                                          </p:spTgt>
+                                        </p:tgtEl>
+                                        <p:attrNameLst>
+                                          <p:attrName>style.visibility</p:attrName>
+                                        </p:attrNameLst>
+                                      </p:cBhvr>
+                                      <p:to>
+                                        <p:strVal val="visible"/>
+                                      </p:to>
+                                    </p:set>
+                                  </p:childTnLst>
+                                </p:cTn>
+                              </p:par>
+                            </p:childTnLst>
+                          </p:cTn>
+                        </p:par>
+                      </p:childTnLst>
+                    </p:cTn>
+                  </p:par>
+                  <p:par>
+                    <p:cTn id="19" fill="hold">
+                      <p:stCondLst>
+                        <p:cond delay="indefinite"/>
+                      </p:stCondLst>
+                      <p:childTnLst>
+                        <p:par>
+                          <p:cTn id="20" fill="hold">
+                            <p:stCondLst>
+                              <p:cond delay="0"/>
+                            </p:stCondLst>
+                            <p:childTnLst>
+                              <p:par>
+                                <p:cTn id="21" presetID="1" presetClass="entr" presetSubtype="0" fill="hold" nodeType="clickEffect">
+                                  <p:stCondLst>
+                                    <p:cond delay="0"/>
+                                  </p:stCondLst>
+                                  <p:childTnLst>
+                                    <p:set>
+                                      <p:cBhvr>
+                                        <p:cTn id="22" dur="1" fill="hold">
+                                          <p:stCondLst>
+                                            <p:cond delay="0"/>
+                                          </p:stCondLst>
+                                        </p:cTn>
+                                        <p:tgtEl>
+                                          <p:spTgt spid="3">
+                                            <p:txEl>
+                                              <p:pRg st="4" end="4"/>
+                                            </p:txEl>
+                                          </p:spTgt>
+                                        </p:tgtEl>
+                                        <p:attrNameLst>
+                                          <p:attrName>style.visibility</p:attrName>
+                                        </p:attrNameLst>
+                                      </p:cBhvr>
+                                      <p:to>
+                                        <p:strVal val="visible"/>
+                                      </p:to>
+                                    </p:set>
+                                  </p:childTnLst>
+                                </p:cTn>
+                              </p:par>
+                            </p:childTnLst>
+                          </p:cTn>
+                        </p:par>
+                      </p:childTnLst>
+                    </p:cTn>
+                  </p:par>
+                  <p:par>
+                    <p:cTn id="23" fill="hold">
+                      <p:stCondLst>
+                        <p:cond delay="indefinite"/>
+                      </p:stCondLst>
+                      <p:childTnLst>
+                        <p:par>
+                          <p:cTn id="24" fill="hold">
+                            <p:stCondLst>
+                              <p:cond delay="0"/>
+                            </p:stCondLst>
+                            <p:childTnLst>
+                              <p:par>
+                                <p:cTn id="25" presetID="1" presetClass="entr" presetSubtype="0" fill="hold" nodeType="clickEffect">
+                                  <p:stCondLst>
+                                    <p:cond delay="0"/>
+                                  </p:stCondLst>
+                                  <p:childTnLst>
+                                    <p:set>
+                                      <p:cBhvr>
+                                        <p:cTn id="26" dur="1" fill="hold">
+                                          <p:stCondLst>
+                                            <p:cond delay="0"/>
+                                          </p:stCondLst>
+                                        </p:cTn>
+                                        <p:tgtEl>
+                                          <p:spTgt spid="3">
+                                            <p:txEl>
+                                              <p:pRg st="5" end="5"/>
+                                            </p:txEl>
+                                          </p:spTgt>
+                                        </p:tgtEl>
+                                        <p:attrNameLst>
+                                          <p:attrName>style.visibility</p:attrName>
+                                        </p:attrNameLst>
+                                      </p:cBhvr>
+                                      <p:to>
+                                        <p:strVal val="visible"/>
+                                      </p:to>
+                                    </p:set>
+                                  </p:childTnLst>
+                                </p:cTn>
+                              </p:par>
+                            </p:childTnLst>
+                          </p:cTn>
+                        </p:par>
+                      </p:childTnLst>
+                    </p:cTn>
+                  </p:par>
+                  <p:par>
+                    <p:cTn id="27" fill="hold">
+                      <p:stCondLst>
+                        <p:cond delay="indefinite"/>
+                      </p:stCondLst>
+                      <p:childTnLst>
+                        <p:par>
+                          <p:cTn id="28" fill="hold">
+                            <p:stCondLst>
+                              <p:cond delay="0"/>
+                            </p:stCondLst>
+                            <p:childTnLst>
+                              <p:par>
+                                <p:cTn id="29" presetID="1" presetClass="entr" presetSubtype="0" fill="hold" nodeType="clickEffect">
+                                  <p:stCondLst>
+                                    <p:cond delay="0"/>
+                                  </p:stCondLst>
+                                  <p:childTnLst>
+                                    <p:set>
+                                      <p:cBhvr>
+                                        <p:cTn id="30" dur="1" fill="hold">
+                                          <p:stCondLst>
+                                            <p:cond delay="0"/>
+                                          </p:stCondLst>
+                                        </p:cTn>
+                                        <p:tgtEl>
+                                          <p:spTgt spid="3">
+                                            <p:txEl>
+                                              <p:pRg st="6" end="6"/>
+                                            </p:txEl>
+                                          </p:spTgt>
+                                        </p:tgtEl>
+                                        <p:attrNameLst>
+                                          <p:attrName>style.visibility</p:attrName>
+                                        </p:attrNameLst>
+                                      </p:cBhvr>
+                                      <p:to>
+                                        <p:strVal val="visible"/>
+                                      </p:to>
+                                    </p:set>
+                                  </p:childTnLst>
+                                </p:cTn>
+                              </p:par>
+                            </p:childTnLst>
+                          </p:cTn>
+                        </p:par>
+                      </p:childTnLst>
+                    </p:cTn>
+                  </p:par>
+                  <p:par>
+                    <p:cTn id="31" fill="hold">
+                      <p:stCondLst>
+                        <p:cond delay="indefinite"/>
+                      </p:stCondLst>
+                      <p:childTnLst>
+                        <p:par>
+                          <p:cTn id="32" fill="hold">
+                            <p:stCondLst>
+                              <p:cond delay="0"/>
+                            </p:stCondLst>
+                            <p:childTnLst>
+                              <p:par>
+                                <p:cTn id="33" presetID="1" presetClass="entr" presetSubtype="0" fill="hold" nodeType="clickEffect">
+                                  <p:stCondLst>
+                                    <p:cond delay="0"/>
+                                  </p:stCondLst>
+                                  <p:childTnLst>
+                                    <p:set>
+                                      <p:cBhvr>
+                                        <p:cTn id="34" dur="1" fill="hold">
+                                          <p:stCondLst>
+                                            <p:cond delay="0"/>
+                                          </p:stCondLst>
+                                        </p:cTn>
+                                        <p:tgtEl>
+                                          <p:spTgt spid="3">
+                                            <p:txEl>
+                                              <p:pRg st="7" end="7"/>
+                                            </p:txEl>
+                                          </p:spTgt>
+                                        </p:tgtEl>
+                                        <p:attrNameLst>
+                                          <p:attrName>style.visibility</p:attrName>
+                                        </p:attrNameLst>
+                                      </p:cBhvr>
+                                      <p:to>
+                                        <p:strVal val="visible"/>
+                                      </p:to>
+                                    </p:set>
+                                  </p:childTnLst>
+                                </p:cTn>
+                              </p:par>
+                            </p:childTnLst>
+                          </p:cTn>
+                        </p:par>
+                      </p:childTnLst>
+                    </p:cTn>
+                  </p:par>
+                  <p:par>
+                    <p:cTn id="35" fill="hold">
+                      <p:stCondLst>
+                        <p:cond delay="indefinite"/>
+                      </p:stCondLst>
+                      <p:childTnLst>
+                        <p:par>
+                          <p:cTn id="36" fill="hold">
+                            <p:stCondLst>
+                              <p:cond delay="0"/>
+                            </p:stCondLst>
+                            <p:childTnLst>
+                              <p:par>
+                                <p:cTn id="37" presetID="1" presetClass="entr" presetSubtype="0" fill="hold" nodeType="clickEffect">
+                                  <p:stCondLst>
+                                    <p:cond delay="0"/>
+                                  </p:stCondLst>
+                                  <p:childTnLst>
+                                    <p:set>
+                                      <p:cBhvr>
+                                        <p:cTn id="38" dur="1" fill="hold">
+                                          <p:stCondLst>
+                                            <p:cond delay="0"/>
+                                          </p:stCondLst>
+                                        </p:cTn>
+                                        <p:tgtEl>
+                                          <p:spTgt spid="3">
+                                            <p:txEl>
+                                              <p:pRg st="8" end="8"/>
+                                            </p:txEl>
+                                          </p:spTgt>
+                                        </p:tgtEl>
+                                        <p:attrNameLst>
+                                          <p:attrName>style.visibility</p:attrName>
+                                        </p:attrNameLst>
+                                      </p:cBhvr>
+                                      <p:to>
+                                        <p:strVal val="visible"/>
+                                      </p:to>
+                                    </p:set>
+                                  </p:childTnLst>
+                                </p:cTn>
+                              </p:par>
+                            </p:childTnLst>
+                          </p:cTn>
+                        </p:par>
+                      </p:childTnLst>
+                    </p:cTn>
+                  </p:par>
+                  <p:par>
+                    <p:cTn id="39" fill="hold">
+                      <p:stCondLst>
+                        <p:cond delay="indefinite"/>
+                      </p:stCondLst>
+                      <p:childTnLst>
+                        <p:par>
+                          <p:cTn id="40" fill="hold">
+                            <p:stCondLst>
+                              <p:cond delay="0"/>
+                            </p:stCondLst>
+                            <p:childTnLst>
+                              <p:par>
+                                <p:cTn id="41" presetID="1" presetClass="entr" presetSubtype="0" fill="hold" nodeType="clickEffect">
+                                  <p:stCondLst>
+                                    <p:cond delay="0"/>
+                                  </p:stCondLst>
+                                  <p:childTnLst>
+                                    <p:set>
+                                      <p:cBhvr>
+                                        <p:cTn id="42" dur="1" fill="hold">
+                                          <p:stCondLst>
+                                            <p:cond delay="0"/>
+                                          </p:stCondLst>
+                                        </p:cTn>
+                                        <p:tgtEl>
+                                          <p:spTgt spid="3">
+                                            <p:txEl>
+                                              <p:pRg st="9" end="9"/>
+                                            </p:txEl>
+                                          </p:spTgt>
+                                        </p:tgtEl>
+                                        <p:attrNameLst>
+                                          <p:attrName>style.visibility</p:attrName>
+                                        </p:attrNameLst>
+                                      </p:cBhvr>
+                                      <p:to>
+                                        <p:strVal val="visible"/>
+                                      </p:to>
+                                    </p:set>
+                                  </p:childTnLst>
+                                </p:cTn>
+                              </p:par>
+                            </p:childTnLst>
+                          </p:cTn>
+                        </p:par>
+                        <p:par>
+                          <p:cTn id="43" fill="hold">
+                            <p:stCondLst>
+                              <p:cond delay="0"/>
+                            </p:stCondLst>
+                            <p:childTnLst>
+                              <p:par>
+                                <p:cTn id="44" presetID="1" presetClass="entr" presetSubtype="0" fill="hold" grpId="0" nodeType="afterEffect">
+                                  <p:stCondLst>
+                                    <p:cond delay="0"/>
+                                  </p:stCondLst>
+                                  <p:childTnLst>
+                                    <p:set>
+                                      <p:cBhvr>
+                                        <p:cTn id="45" dur="1" fill="hold">
+                                          <p:stCondLst>
+                                            <p:cond delay="0"/>
+                                          </p:stCondLst>
+                                        </p:cTn>
+                                        <p:tgtEl>
+                                          <p:spTgt spid="4"/>
+                                        </p:tgtEl>
+                                        <p:attrNameLst>
+                                          <p:attrName>style.visibility</p:attrName>
+                                        </p:attrNameLst>
+                                      </p:cBhvr>
+                                      <p:to>
+                                        <p:strVal val="visible"/>
+                                      </p:to>
+                                    </p:set>
+                                  </p:childTnLst>
+                                </p:cTn>
+                              </p:par>
+                            </p:childTnLst>
+                          </p:cTn>
+                        </p:par>
+                      </p:childTnLst>
+                    </p:cTn>
+                  </p:par>
+                </p:childTnLst>
+              </p:cTn>
+              <p:prevCondLst>
+                <p:cond evt="onPrev" delay="0">
+                  <p:tgtEl>
+                    <p:sldTgt/>
+                  </p:tgtEl>
+                </p:cond>
+              </p:prevCondLst>
+              <p:nextCondLst>
+                <p:cond evt="onNext" delay="0">
+                  <p:tgtEl>
+                    <p:sldTgt/>
+                  </p:tgtEl>
+                </p:cond>
+              </p:nextCondLst>
+            </p:seq>
+          </p:childTnLst>
+        </p:cTn>
+      </p:par>
+    </p:tnLst>
+    <p:bldLst>
+      <p:bldP spid="4" grpId="0" animBg="1"/>
+    </p:bldLst>
+  </p:timing>
+</p:sld>
+</file>
+
+<file path=ppt/slides/slide18.xml><?xml version="1.0" encoding="utf-8"?>
+<p:sld xmlns:a="http://schemas.openxmlformats.org/drawingml/2006/main" xmlns:r="http://schemas.openxmlformats.org/officeDocument/2006/relationships" xmlns:p="http://schemas.openxmlformats.org/presentationml/2006/main">
+  <p:cSld>
+    <p:spTree>
+      <p:nvGrpSpPr>
+        <p:cNvPr id="1" name=""/>
+        <p:cNvGrpSpPr/>
+        <p:nvPr/>
+      </p:nvGrpSpPr>
+      <p:grpSpPr>
+        <a:xfrm>
+          <a:off x="0" y="0"/>
+          <a:ext cx="0" cy="0"/>
+          <a:chOff x="0" y="0"/>
+          <a:chExt cx="0" cy="0"/>
+        </a:xfrm>
+      </p:grpSpPr>
+      <p:sp>
+        <p:nvSpPr>
           <p:cNvPr id="4" name="Titre 3">
             <a:extLst>
               <a:ext uri="{FF2B5EF4-FFF2-40B4-BE49-F238E27FC236}">
@@ -11445,7 +12988,340 @@
 </p:sld>
 </file>
 
-<file path=ppt/slides/slide17.xml><?xml version="1.0" encoding="utf-8"?>
+<file path=ppt/slides/slide19.xml><?xml version="1.0" encoding="utf-8"?>
+<p:sld xmlns:a="http://schemas.openxmlformats.org/drawingml/2006/main" xmlns:r="http://schemas.openxmlformats.org/officeDocument/2006/relationships" xmlns:p="http://schemas.openxmlformats.org/presentationml/2006/main">
+  <p:cSld>
+    <p:spTree>
+      <p:nvGrpSpPr>
+        <p:cNvPr id="1" name=""/>
+        <p:cNvGrpSpPr/>
+        <p:nvPr/>
+      </p:nvGrpSpPr>
+      <p:grpSpPr>
+        <a:xfrm>
+          <a:off x="0" y="0"/>
+          <a:ext cx="0" cy="0"/>
+          <a:chOff x="0" y="0"/>
+          <a:chExt cx="0" cy="0"/>
+        </a:xfrm>
+      </p:grpSpPr>
+      <p:sp>
+        <p:nvSpPr>
+          <p:cNvPr id="2" name="Titre 1">
+            <a:extLst>
+              <a:ext uri="{FF2B5EF4-FFF2-40B4-BE49-F238E27FC236}">
+                <a16:creationId xmlns:a16="http://schemas.microsoft.com/office/drawing/2014/main" id="{41EC4527-E853-4C0E-8739-312D47EC4BC3}"/>
+              </a:ext>
+            </a:extLst>
+          </p:cNvPr>
+          <p:cNvSpPr>
+            <a:spLocks noGrp="1"/>
+          </p:cNvSpPr>
+          <p:nvPr>
+            <p:ph type="title"/>
+          </p:nvPr>
+        </p:nvSpPr>
+        <p:spPr/>
+        <p:txBody>
+          <a:bodyPr/>
+          <a:lstStyle/>
+          <a:p>
+            <a:r>
+              <a:rPr lang="fr-FR" dirty="0" err="1"/>
+              <a:t>dataset</a:t>
+            </a:r>
+            <a:endParaRPr lang="fr-FR" dirty="0"/>
+          </a:p>
+        </p:txBody>
+      </p:sp>
+      <p:pic>
+        <p:nvPicPr>
+          <p:cNvPr id="4" name="Image 3">
+            <a:extLst>
+              <a:ext uri="{FF2B5EF4-FFF2-40B4-BE49-F238E27FC236}">
+                <a16:creationId xmlns:a16="http://schemas.microsoft.com/office/drawing/2014/main" id="{80530D7F-3BC3-48DE-82B9-B2108D4DF574}"/>
+              </a:ext>
+            </a:extLst>
+          </p:cNvPr>
+          <p:cNvPicPr>
+            <a:picLocks noChangeAspect="1"/>
+          </p:cNvPicPr>
+          <p:nvPr/>
+        </p:nvPicPr>
+        <p:blipFill rotWithShape="1">
+          <a:blip r:embed="rId2"/>
+          <a:srcRect t="23553" r="13750" b="9488"/>
+          <a:stretch/>
+        </p:blipFill>
+        <p:spPr>
+          <a:xfrm>
+            <a:off x="2023542" y="1965924"/>
+            <a:ext cx="9946640" cy="4437452"/>
+          </a:xfrm>
+          <a:prstGeom prst="rect">
+            <a:avLst/>
+          </a:prstGeom>
+        </p:spPr>
+      </p:pic>
+      <p:sp>
+        <p:nvSpPr>
+          <p:cNvPr id="5" name="Flèche droite 4">
+            <a:extLst>
+              <a:ext uri="{FF2B5EF4-FFF2-40B4-BE49-F238E27FC236}">
+                <a16:creationId xmlns:a16="http://schemas.microsoft.com/office/drawing/2014/main" id="{943FB802-7C8A-4C6A-9898-F8CBFA7EEE5F}"/>
+              </a:ext>
+            </a:extLst>
+          </p:cNvPr>
+          <p:cNvSpPr/>
+          <p:nvPr/>
+        </p:nvSpPr>
+        <p:spPr>
+          <a:xfrm>
+            <a:off x="11736625" y="6488757"/>
+            <a:ext cx="432048" cy="360040"/>
+          </a:xfrm>
+          <a:prstGeom prst="rightArrow">
+            <a:avLst/>
+          </a:prstGeom>
+          <a:ln/>
+        </p:spPr>
+        <p:style>
+          <a:lnRef idx="0">
+            <a:schemeClr val="dk1"/>
+          </a:lnRef>
+          <a:fillRef idx="3">
+            <a:schemeClr val="dk1"/>
+          </a:fillRef>
+          <a:effectRef idx="3">
+            <a:schemeClr val="dk1"/>
+          </a:effectRef>
+          <a:fontRef idx="minor">
+            <a:schemeClr val="lt1"/>
+          </a:fontRef>
+        </p:style>
+        <p:txBody>
+          <a:bodyPr rtlCol="0" anchor="ctr"/>
+          <a:lstStyle/>
+          <a:p>
+            <a:pPr algn="ctr"/>
+            <a:endParaRPr lang="fr-FR"/>
+          </a:p>
+        </p:txBody>
+      </p:sp>
+    </p:spTree>
+    <p:extLst>
+      <p:ext uri="{BB962C8B-B14F-4D97-AF65-F5344CB8AC3E}">
+        <p14:creationId xmlns:p14="http://schemas.microsoft.com/office/powerpoint/2010/main" val="2416081181"/>
+      </p:ext>
+    </p:extLst>
+  </p:cSld>
+  <p:clrMapOvr>
+    <a:masterClrMapping/>
+  </p:clrMapOvr>
+  <p:timing>
+    <p:tnLst>
+      <p:par>
+        <p:cTn id="1" dur="indefinite" restart="never" nodeType="tmRoot">
+          <p:childTnLst>
+            <p:seq concurrent="1" nextAc="seek">
+              <p:cTn id="2" dur="indefinite" nodeType="mainSeq">
+                <p:childTnLst>
+                  <p:par>
+                    <p:cTn id="3" fill="hold">
+                      <p:stCondLst>
+                        <p:cond delay="indefinite"/>
+                      </p:stCondLst>
+                      <p:childTnLst>
+                        <p:par>
+                          <p:cTn id="4" fill="hold">
+                            <p:stCondLst>
+                              <p:cond delay="0"/>
+                            </p:stCondLst>
+                            <p:childTnLst>
+                              <p:par>
+                                <p:cTn id="5" presetID="1" presetClass="entr" presetSubtype="0" fill="hold" nodeType="clickEffect">
+                                  <p:stCondLst>
+                                    <p:cond delay="0"/>
+                                  </p:stCondLst>
+                                  <p:childTnLst>
+                                    <p:set>
+                                      <p:cBhvr>
+                                        <p:cTn id="6" dur="1" fill="hold">
+                                          <p:stCondLst>
+                                            <p:cond delay="0"/>
+                                          </p:stCondLst>
+                                        </p:cTn>
+                                        <p:tgtEl>
+                                          <p:spTgt spid="4"/>
+                                        </p:tgtEl>
+                                        <p:attrNameLst>
+                                          <p:attrName>style.visibility</p:attrName>
+                                        </p:attrNameLst>
+                                      </p:cBhvr>
+                                      <p:to>
+                                        <p:strVal val="visible"/>
+                                      </p:to>
+                                    </p:set>
+                                  </p:childTnLst>
+                                </p:cTn>
+                              </p:par>
+                              <p:par>
+                                <p:cTn id="7" presetID="1" presetClass="entr" presetSubtype="0" fill="hold" grpId="0" nodeType="withEffect">
+                                  <p:stCondLst>
+                                    <p:cond delay="0"/>
+                                  </p:stCondLst>
+                                  <p:childTnLst>
+                                    <p:set>
+                                      <p:cBhvr>
+                                        <p:cTn id="8" dur="1" fill="hold">
+                                          <p:stCondLst>
+                                            <p:cond delay="0"/>
+                                          </p:stCondLst>
+                                        </p:cTn>
+                                        <p:tgtEl>
+                                          <p:spTgt spid="5"/>
+                                        </p:tgtEl>
+                                        <p:attrNameLst>
+                                          <p:attrName>style.visibility</p:attrName>
+                                        </p:attrNameLst>
+                                      </p:cBhvr>
+                                      <p:to>
+                                        <p:strVal val="visible"/>
+                                      </p:to>
+                                    </p:set>
+                                  </p:childTnLst>
+                                </p:cTn>
+                              </p:par>
+                            </p:childTnLst>
+                          </p:cTn>
+                        </p:par>
+                      </p:childTnLst>
+                    </p:cTn>
+                  </p:par>
+                </p:childTnLst>
+              </p:cTn>
+              <p:prevCondLst>
+                <p:cond evt="onPrev" delay="0">
+                  <p:tgtEl>
+                    <p:sldTgt/>
+                  </p:tgtEl>
+                </p:cond>
+              </p:prevCondLst>
+              <p:nextCondLst>
+                <p:cond evt="onNext" delay="0">
+                  <p:tgtEl>
+                    <p:sldTgt/>
+                  </p:tgtEl>
+                </p:cond>
+              </p:nextCondLst>
+            </p:seq>
+          </p:childTnLst>
+        </p:cTn>
+      </p:par>
+    </p:tnLst>
+    <p:bldLst>
+      <p:bldP spid="5" grpId="0" animBg="1"/>
+    </p:bldLst>
+  </p:timing>
+</p:sld>
+</file>
+
+<file path=ppt/slides/slide2.xml><?xml version="1.0" encoding="utf-8"?>
+<p:sld xmlns:a="http://schemas.openxmlformats.org/drawingml/2006/main" xmlns:r="http://schemas.openxmlformats.org/officeDocument/2006/relationships" xmlns:p="http://schemas.openxmlformats.org/presentationml/2006/main">
+  <p:cSld>
+    <p:spTree>
+      <p:nvGrpSpPr>
+        <p:cNvPr id="1" name=""/>
+        <p:cNvGrpSpPr/>
+        <p:nvPr/>
+      </p:nvGrpSpPr>
+      <p:grpSpPr>
+        <a:xfrm>
+          <a:off x="0" y="0"/>
+          <a:ext cx="0" cy="0"/>
+          <a:chOff x="0" y="0"/>
+          <a:chExt cx="0" cy="0"/>
+        </a:xfrm>
+      </p:grpSpPr>
+      <p:sp>
+        <p:nvSpPr>
+          <p:cNvPr id="2" name="Titre 1">
+            <a:extLst>
+              <a:ext uri="{FF2B5EF4-FFF2-40B4-BE49-F238E27FC236}">
+                <a16:creationId xmlns:a16="http://schemas.microsoft.com/office/drawing/2014/main" id="{0C34746D-0B55-4294-A47D-A1AEB63423EB}"/>
+              </a:ext>
+            </a:extLst>
+          </p:cNvPr>
+          <p:cNvSpPr>
+            <a:spLocks noGrp="1"/>
+          </p:cNvSpPr>
+          <p:nvPr>
+            <p:ph type="title"/>
+          </p:nvPr>
+        </p:nvSpPr>
+        <p:spPr/>
+        <p:txBody>
+          <a:bodyPr/>
+          <a:lstStyle/>
+          <a:p>
+            <a:r>
+              <a:rPr lang="fr-FR" dirty="0"/>
+              <a:t>Problématique</a:t>
+            </a:r>
+          </a:p>
+        </p:txBody>
+      </p:sp>
+      <p:sp>
+        <p:nvSpPr>
+          <p:cNvPr id="3" name="Espace réservé du texte 2">
+            <a:extLst>
+              <a:ext uri="{FF2B5EF4-FFF2-40B4-BE49-F238E27FC236}">
+                <a16:creationId xmlns:a16="http://schemas.microsoft.com/office/drawing/2014/main" id="{D96E2D69-6B1A-4097-AD04-8E3A384FE9BE}"/>
+              </a:ext>
+            </a:extLst>
+          </p:cNvPr>
+          <p:cNvSpPr>
+            <a:spLocks noGrp="1"/>
+          </p:cNvSpPr>
+          <p:nvPr>
+            <p:ph type="body" idx="1"/>
+          </p:nvPr>
+        </p:nvSpPr>
+        <p:spPr/>
+        <p:txBody>
+          <a:bodyPr/>
+          <a:lstStyle/>
+          <a:p>
+            <a:endParaRPr lang="fr-FR"/>
+          </a:p>
+        </p:txBody>
+      </p:sp>
+    </p:spTree>
+    <p:extLst>
+      <p:ext uri="{BB962C8B-B14F-4D97-AF65-F5344CB8AC3E}">
+        <p14:creationId xmlns:p14="http://schemas.microsoft.com/office/powerpoint/2010/main" val="2923568907"/>
+      </p:ext>
+    </p:extLst>
+  </p:cSld>
+  <p:clrMapOvr>
+    <a:masterClrMapping/>
+  </p:clrMapOvr>
+  <mc:AlternateContent xmlns:mc="http://schemas.openxmlformats.org/markup-compatibility/2006" xmlns:p14="http://schemas.microsoft.com/office/powerpoint/2010/main">
+    <mc:Choice Requires="p14">
+      <p:transition spd="med" p14:dur="700">
+        <p:fade/>
+      </p:transition>
+    </mc:Choice>
+    <mc:Fallback xmlns="">
+      <p:transition spd="med">
+        <p:fade/>
+      </p:transition>
+    </mc:Fallback>
+  </mc:AlternateContent>
+</p:sld>
+</file>
+
+<file path=ppt/slides/slide20.xml><?xml version="1.0" encoding="utf-8"?>
 <p:sld xmlns:a="http://schemas.openxmlformats.org/drawingml/2006/main" xmlns:r="http://schemas.openxmlformats.org/officeDocument/2006/relationships" xmlns:p="http://schemas.openxmlformats.org/presentationml/2006/main">
   <p:cSld>
     <p:spTree>
@@ -12885,7 +14761,7 @@
 </p:sld>
 </file>
 
-<file path=ppt/slides/slide18.xml><?xml version="1.0" encoding="utf-8"?>
+<file path=ppt/slides/slide21.xml><?xml version="1.0" encoding="utf-8"?>
 <p:sld xmlns:a="http://schemas.openxmlformats.org/drawingml/2006/main" xmlns:r="http://schemas.openxmlformats.org/officeDocument/2006/relationships" xmlns:p="http://schemas.openxmlformats.org/presentationml/2006/main">
   <p:cSld>
     <p:spTree>
@@ -12925,7 +14801,7 @@
           <a:p>
             <a:r>
               <a:rPr lang="fr-FR" dirty="0" err="1"/>
-              <a:t>Features</a:t>
+              <a:t>Feature</a:t>
             </a:r>
             <a:r>
               <a:rPr lang="fr-FR" dirty="0"/>
@@ -13619,7 +15495,7 @@
 </p:sld>
 </file>
 
-<file path=ppt/slides/slide19.xml><?xml version="1.0" encoding="utf-8"?>
+<file path=ppt/slides/slide22.xml><?xml version="1.0" encoding="utf-8"?>
 <p:sld xmlns:a="http://schemas.openxmlformats.org/drawingml/2006/main" xmlns:r="http://schemas.openxmlformats.org/officeDocument/2006/relationships" xmlns:p="http://schemas.openxmlformats.org/presentationml/2006/main">
   <p:cSld>
     <p:spTree>
@@ -13659,7 +15535,7 @@
           <a:p>
             <a:r>
               <a:rPr lang="fr-FR" dirty="0" err="1"/>
-              <a:t>Features</a:t>
+              <a:t>Feature</a:t>
             </a:r>
             <a:r>
               <a:rPr lang="fr-FR" dirty="0"/>
@@ -15413,102 +17289,7 @@
 </p:sld>
 </file>
 
-<file path=ppt/slides/slide2.xml><?xml version="1.0" encoding="utf-8"?>
-<p:sld xmlns:a="http://schemas.openxmlformats.org/drawingml/2006/main" xmlns:r="http://schemas.openxmlformats.org/officeDocument/2006/relationships" xmlns:p="http://schemas.openxmlformats.org/presentationml/2006/main">
-  <p:cSld>
-    <p:spTree>
-      <p:nvGrpSpPr>
-        <p:cNvPr id="1" name=""/>
-        <p:cNvGrpSpPr/>
-        <p:nvPr/>
-      </p:nvGrpSpPr>
-      <p:grpSpPr>
-        <a:xfrm>
-          <a:off x="0" y="0"/>
-          <a:ext cx="0" cy="0"/>
-          <a:chOff x="0" y="0"/>
-          <a:chExt cx="0" cy="0"/>
-        </a:xfrm>
-      </p:grpSpPr>
-      <p:sp>
-        <p:nvSpPr>
-          <p:cNvPr id="2" name="Titre 1">
-            <a:extLst>
-              <a:ext uri="{FF2B5EF4-FFF2-40B4-BE49-F238E27FC236}">
-                <a16:creationId xmlns:a16="http://schemas.microsoft.com/office/drawing/2014/main" id="{0C34746D-0B55-4294-A47D-A1AEB63423EB}"/>
-              </a:ext>
-            </a:extLst>
-          </p:cNvPr>
-          <p:cNvSpPr>
-            <a:spLocks noGrp="1"/>
-          </p:cNvSpPr>
-          <p:nvPr>
-            <p:ph type="title"/>
-          </p:nvPr>
-        </p:nvSpPr>
-        <p:spPr/>
-        <p:txBody>
-          <a:bodyPr/>
-          <a:lstStyle/>
-          <a:p>
-            <a:r>
-              <a:rPr lang="fr-FR" dirty="0"/>
-              <a:t>Problématique</a:t>
-            </a:r>
-          </a:p>
-        </p:txBody>
-      </p:sp>
-      <p:sp>
-        <p:nvSpPr>
-          <p:cNvPr id="3" name="Espace réservé du texte 2">
-            <a:extLst>
-              <a:ext uri="{FF2B5EF4-FFF2-40B4-BE49-F238E27FC236}">
-                <a16:creationId xmlns:a16="http://schemas.microsoft.com/office/drawing/2014/main" id="{D96E2D69-6B1A-4097-AD04-8E3A384FE9BE}"/>
-              </a:ext>
-            </a:extLst>
-          </p:cNvPr>
-          <p:cNvSpPr>
-            <a:spLocks noGrp="1"/>
-          </p:cNvSpPr>
-          <p:nvPr>
-            <p:ph type="body" idx="1"/>
-          </p:nvPr>
-        </p:nvSpPr>
-        <p:spPr/>
-        <p:txBody>
-          <a:bodyPr/>
-          <a:lstStyle/>
-          <a:p>
-            <a:endParaRPr lang="fr-FR"/>
-          </a:p>
-        </p:txBody>
-      </p:sp>
-    </p:spTree>
-    <p:extLst>
-      <p:ext uri="{BB962C8B-B14F-4D97-AF65-F5344CB8AC3E}">
-        <p14:creationId xmlns:p14="http://schemas.microsoft.com/office/powerpoint/2010/main" val="2923568907"/>
-      </p:ext>
-    </p:extLst>
-  </p:cSld>
-  <p:clrMapOvr>
-    <a:masterClrMapping/>
-  </p:clrMapOvr>
-  <mc:AlternateContent xmlns:mc="http://schemas.openxmlformats.org/markup-compatibility/2006" xmlns:p14="http://schemas.microsoft.com/office/powerpoint/2010/main">
-    <mc:Choice Requires="p14">
-      <p:transition spd="med" p14:dur="700">
-        <p:fade/>
-      </p:transition>
-    </mc:Choice>
-    <mc:Fallback xmlns="">
-      <p:transition spd="med">
-        <p:fade/>
-      </p:transition>
-    </mc:Fallback>
-  </mc:AlternateContent>
-</p:sld>
-</file>
-
-<file path=ppt/slides/slide20.xml><?xml version="1.0" encoding="utf-8"?>
+<file path=ppt/slides/slide23.xml><?xml version="1.0" encoding="utf-8"?>
 <p:sld xmlns:a="http://schemas.openxmlformats.org/drawingml/2006/main" xmlns:r="http://schemas.openxmlformats.org/officeDocument/2006/relationships" xmlns:p="http://schemas.openxmlformats.org/presentationml/2006/main">
   <p:cSld>
     <p:spTree>
@@ -15608,7 +17389,7 @@
 </p:sld>
 </file>
 
-<file path=ppt/slides/slide21.xml><?xml version="1.0" encoding="utf-8"?>
+<file path=ppt/slides/slide24.xml><?xml version="1.0" encoding="utf-8"?>
 <p:sld xmlns:a="http://schemas.openxmlformats.org/drawingml/2006/main" xmlns:r="http://schemas.openxmlformats.org/officeDocument/2006/relationships" xmlns:p="http://schemas.openxmlformats.org/presentationml/2006/main">
   <p:cSld>
     <p:spTree>
@@ -16204,7 +17985,7 @@
 </p:sld>
 </file>
 
-<file path=ppt/slides/slide22.xml><?xml version="1.0" encoding="utf-8"?>
+<file path=ppt/slides/slide25.xml><?xml version="1.0" encoding="utf-8"?>
 <p:sld xmlns:a="http://schemas.openxmlformats.org/drawingml/2006/main" xmlns:r="http://schemas.openxmlformats.org/officeDocument/2006/relationships" xmlns:p="http://schemas.openxmlformats.org/presentationml/2006/main">
   <p:cSld>
     <p:spTree>
@@ -17365,7 +19146,7 @@
 </p:sld>
 </file>
 
-<file path=ppt/slides/slide23.xml><?xml version="1.0" encoding="utf-8"?>
+<file path=ppt/slides/slide26.xml><?xml version="1.0" encoding="utf-8"?>
 <p:sld xmlns:a="http://schemas.openxmlformats.org/drawingml/2006/main" xmlns:r="http://schemas.openxmlformats.org/officeDocument/2006/relationships" xmlns:p="http://schemas.openxmlformats.org/presentationml/2006/main">
   <p:cSld>
     <p:spTree>
@@ -17841,7 +19622,7 @@
 </p:sld>
 </file>
 
-<file path=ppt/slides/slide24.xml><?xml version="1.0" encoding="utf-8"?>
+<file path=ppt/slides/slide27.xml><?xml version="1.0" encoding="utf-8"?>
 <p:sld xmlns:a="http://schemas.openxmlformats.org/drawingml/2006/main" xmlns:r="http://schemas.openxmlformats.org/officeDocument/2006/relationships" xmlns:p="http://schemas.openxmlformats.org/presentationml/2006/main">
   <p:cSld>
     <p:spTree>
@@ -17909,13 +19690,52 @@
           </a:xfrm>
         </p:spPr>
         <p:txBody>
-          <a:bodyPr/>
+          <a:bodyPr>
+            <a:normAutofit fontScale="70000" lnSpcReduction="20000"/>
+          </a:bodyPr>
           <a:lstStyle/>
           <a:p>
             <a:r>
               <a:rPr lang="fr-FR" dirty="0"/>
               <a:t>Cross validation</a:t>
             </a:r>
+          </a:p>
+          <a:p>
+            <a:r>
+              <a:rPr lang="fr-FR" dirty="0"/>
+              <a:t>C’est un principe qui vient des  « </a:t>
+            </a:r>
+            <a:r>
+              <a:rPr lang="fr-FR" dirty="0" err="1"/>
+              <a:t>grid</a:t>
+            </a:r>
+            <a:r>
+              <a:rPr lang="fr-FR" dirty="0"/>
+              <a:t> </a:t>
+            </a:r>
+            <a:r>
+              <a:rPr lang="fr-FR" dirty="0" err="1"/>
+              <a:t>search</a:t>
+            </a:r>
+            <a:r>
+              <a:rPr lang="fr-FR" dirty="0"/>
+              <a:t> ».</a:t>
+            </a:r>
+          </a:p>
+          <a:p>
+            <a:r>
+              <a:rPr lang="fr-FR" dirty="0"/>
+              <a:t>Dans ce cas, on crée une grille d’hyperparamètres, contenant plusieurs valeurs possibles pour chacun d’entre eux, que l’on explore pour tester toutes les combinaisons possibles.</a:t>
+            </a:r>
+          </a:p>
+          <a:p>
+            <a:r>
+              <a:rPr lang="fr-FR" dirty="0"/>
+              <a:t>Les hyperparamètres sont des paramètres de l’algorithme d’apprentissage qui va nous permettre de déterminer le modèle final.</a:t>
+            </a:r>
+          </a:p>
+          <a:p>
+            <a:endParaRPr lang="fr-FR" dirty="0"/>
           </a:p>
         </p:txBody>
       </p:sp>
@@ -18162,21 +19982,168 @@
                             </p:childTnLst>
                           </p:cTn>
                         </p:par>
+                      </p:childTnLst>
+                    </p:cTn>
+                  </p:par>
+                  <p:par>
+                    <p:cTn id="11" fill="hold">
+                      <p:stCondLst>
+                        <p:cond delay="indefinite"/>
+                      </p:stCondLst>
+                      <p:childTnLst>
                         <p:par>
-                          <p:cTn id="11" fill="hold">
+                          <p:cTn id="12" fill="hold">
                             <p:stCondLst>
                               <p:cond delay="0"/>
                             </p:stCondLst>
                             <p:childTnLst>
                               <p:par>
-                                <p:cTn id="12" presetID="1" presetClass="entr" presetSubtype="0" fill="hold" grpId="0" nodeType="afterEffect">
+                                <p:cTn id="13" presetID="1" presetClass="entr" presetSubtype="0" fill="hold" nodeType="clickEffect">
                                   <p:stCondLst>
                                     <p:cond delay="0"/>
                                   </p:stCondLst>
                                   <p:childTnLst>
                                     <p:set>
                                       <p:cBhvr>
-                                        <p:cTn id="13" dur="1" fill="hold">
+                                        <p:cTn id="14" dur="1" fill="hold">
+                                          <p:stCondLst>
+                                            <p:cond delay="0"/>
+                                          </p:stCondLst>
+                                        </p:cTn>
+                                        <p:tgtEl>
+                                          <p:spTgt spid="5">
+                                            <p:txEl>
+                                              <p:pRg st="1" end="1"/>
+                                            </p:txEl>
+                                          </p:spTgt>
+                                        </p:tgtEl>
+                                        <p:attrNameLst>
+                                          <p:attrName>style.visibility</p:attrName>
+                                        </p:attrNameLst>
+                                      </p:cBhvr>
+                                      <p:to>
+                                        <p:strVal val="visible"/>
+                                      </p:to>
+                                    </p:set>
+                                  </p:childTnLst>
+                                </p:cTn>
+                              </p:par>
+                            </p:childTnLst>
+                          </p:cTn>
+                        </p:par>
+                      </p:childTnLst>
+                    </p:cTn>
+                  </p:par>
+                  <p:par>
+                    <p:cTn id="15" fill="hold">
+                      <p:stCondLst>
+                        <p:cond delay="indefinite"/>
+                      </p:stCondLst>
+                      <p:childTnLst>
+                        <p:par>
+                          <p:cTn id="16" fill="hold">
+                            <p:stCondLst>
+                              <p:cond delay="0"/>
+                            </p:stCondLst>
+                            <p:childTnLst>
+                              <p:par>
+                                <p:cTn id="17" presetID="1" presetClass="entr" presetSubtype="0" fill="hold" nodeType="clickEffect">
+                                  <p:stCondLst>
+                                    <p:cond delay="0"/>
+                                  </p:stCondLst>
+                                  <p:childTnLst>
+                                    <p:set>
+                                      <p:cBhvr>
+                                        <p:cTn id="18" dur="1" fill="hold">
+                                          <p:stCondLst>
+                                            <p:cond delay="0"/>
+                                          </p:stCondLst>
+                                        </p:cTn>
+                                        <p:tgtEl>
+                                          <p:spTgt spid="5">
+                                            <p:txEl>
+                                              <p:pRg st="2" end="2"/>
+                                            </p:txEl>
+                                          </p:spTgt>
+                                        </p:tgtEl>
+                                        <p:attrNameLst>
+                                          <p:attrName>style.visibility</p:attrName>
+                                        </p:attrNameLst>
+                                      </p:cBhvr>
+                                      <p:to>
+                                        <p:strVal val="visible"/>
+                                      </p:to>
+                                    </p:set>
+                                  </p:childTnLst>
+                                </p:cTn>
+                              </p:par>
+                            </p:childTnLst>
+                          </p:cTn>
+                        </p:par>
+                      </p:childTnLst>
+                    </p:cTn>
+                  </p:par>
+                  <p:par>
+                    <p:cTn id="19" fill="hold">
+                      <p:stCondLst>
+                        <p:cond delay="indefinite"/>
+                      </p:stCondLst>
+                      <p:childTnLst>
+                        <p:par>
+                          <p:cTn id="20" fill="hold">
+                            <p:stCondLst>
+                              <p:cond delay="0"/>
+                            </p:stCondLst>
+                            <p:childTnLst>
+                              <p:par>
+                                <p:cTn id="21" presetID="1" presetClass="entr" presetSubtype="0" fill="hold" nodeType="clickEffect">
+                                  <p:stCondLst>
+                                    <p:cond delay="0"/>
+                                  </p:stCondLst>
+                                  <p:childTnLst>
+                                    <p:set>
+                                      <p:cBhvr>
+                                        <p:cTn id="22" dur="1" fill="hold">
+                                          <p:stCondLst>
+                                            <p:cond delay="0"/>
+                                          </p:stCondLst>
+                                        </p:cTn>
+                                        <p:tgtEl>
+                                          <p:spTgt spid="5">
+                                            <p:txEl>
+                                              <p:pRg st="3" end="3"/>
+                                            </p:txEl>
+                                          </p:spTgt>
+                                        </p:tgtEl>
+                                        <p:attrNameLst>
+                                          <p:attrName>style.visibility</p:attrName>
+                                        </p:attrNameLst>
+                                      </p:cBhvr>
+                                      <p:to>
+                                        <p:strVal val="visible"/>
+                                      </p:to>
+                                    </p:set>
+                                  </p:childTnLst>
+                                </p:cTn>
+                              </p:par>
+                            </p:childTnLst>
+                          </p:cTn>
+                        </p:par>
+                        <p:par>
+                          <p:cTn id="23" fill="hold">
+                            <p:stCondLst>
+                              <p:cond delay="0"/>
+                            </p:stCondLst>
+                            <p:childTnLst>
+                              <p:par>
+                                <p:cTn id="24" presetID="1" presetClass="entr" presetSubtype="0" fill="hold" grpId="0" nodeType="afterEffect">
+                                  <p:stCondLst>
+                                    <p:cond delay="0"/>
+                                  </p:stCondLst>
+                                  <p:childTnLst>
+                                    <p:set>
+                                      <p:cBhvr>
+                                        <p:cTn id="25" dur="1" fill="hold">
                                           <p:stCondLst>
                                             <p:cond delay="0"/>
                                           </p:stCondLst>
@@ -18230,7 +20197,7 @@
 </p:sld>
 </file>
 
-<file path=ppt/slides/slide25.xml><?xml version="1.0" encoding="utf-8"?>
+<file path=ppt/slides/slide28.xml><?xml version="1.0" encoding="utf-8"?>
 <p:sld xmlns:a="http://schemas.openxmlformats.org/drawingml/2006/main" xmlns:r="http://schemas.openxmlformats.org/officeDocument/2006/relationships" xmlns:p="http://schemas.openxmlformats.org/presentationml/2006/main">
   <p:cSld>
     <p:spTree>
@@ -19236,7 +21203,7 @@
 </p:sld>
 </file>
 
-<file path=ppt/slides/slide26.xml><?xml version="1.0" encoding="utf-8"?>
+<file path=ppt/slides/slide29.xml><?xml version="1.0" encoding="utf-8"?>
 <p:sld xmlns:a="http://schemas.openxmlformats.org/drawingml/2006/main" xmlns:r="http://schemas.openxmlformats.org/officeDocument/2006/relationships" xmlns:p="http://schemas.openxmlformats.org/presentationml/2006/main">
   <p:cSld>
     <p:spTree>
@@ -19709,7 +21676,448 @@
 </p:sld>
 </file>
 
-<file path=ppt/slides/slide27.xml><?xml version="1.0" encoding="utf-8"?>
+<file path=ppt/slides/slide3.xml><?xml version="1.0" encoding="utf-8"?>
+<p:sld xmlns:a="http://schemas.openxmlformats.org/drawingml/2006/main" xmlns:r="http://schemas.openxmlformats.org/officeDocument/2006/relationships" xmlns:p="http://schemas.openxmlformats.org/presentationml/2006/main">
+  <p:cSld>
+    <p:spTree>
+      <p:nvGrpSpPr>
+        <p:cNvPr id="1" name=""/>
+        <p:cNvGrpSpPr/>
+        <p:nvPr/>
+      </p:nvGrpSpPr>
+      <p:grpSpPr>
+        <a:xfrm>
+          <a:off x="0" y="0"/>
+          <a:ext cx="0" cy="0"/>
+          <a:chOff x="0" y="0"/>
+          <a:chExt cx="0" cy="0"/>
+        </a:xfrm>
+      </p:grpSpPr>
+      <p:sp>
+        <p:nvSpPr>
+          <p:cNvPr id="2" name="Titre 1">
+            <a:extLst>
+              <a:ext uri="{FF2B5EF4-FFF2-40B4-BE49-F238E27FC236}">
+                <a16:creationId xmlns:a16="http://schemas.microsoft.com/office/drawing/2014/main" id="{84AABC20-5132-4586-8B82-189825693BC6}"/>
+              </a:ext>
+            </a:extLst>
+          </p:cNvPr>
+          <p:cNvSpPr>
+            <a:spLocks noGrp="1"/>
+          </p:cNvSpPr>
+          <p:nvPr>
+            <p:ph type="title"/>
+          </p:nvPr>
+        </p:nvSpPr>
+        <p:spPr/>
+        <p:txBody>
+          <a:bodyPr/>
+          <a:lstStyle/>
+          <a:p>
+            <a:r>
+              <a:rPr lang="fr-FR" dirty="0"/>
+              <a:t>Introduction de la problématique</a:t>
+            </a:r>
+          </a:p>
+        </p:txBody>
+      </p:sp>
+      <p:sp>
+        <p:nvSpPr>
+          <p:cNvPr id="3" name="Espace réservé du contenu 2">
+            <a:extLst>
+              <a:ext uri="{FF2B5EF4-FFF2-40B4-BE49-F238E27FC236}">
+                <a16:creationId xmlns:a16="http://schemas.microsoft.com/office/drawing/2014/main" id="{E7A94BB3-7E08-42A3-BA21-56BAB1611BB4}"/>
+              </a:ext>
+            </a:extLst>
+          </p:cNvPr>
+          <p:cNvSpPr>
+            <a:spLocks noGrp="1"/>
+          </p:cNvSpPr>
+          <p:nvPr>
+            <p:ph idx="1"/>
+          </p:nvPr>
+        </p:nvSpPr>
+        <p:spPr/>
+        <p:txBody>
+          <a:bodyPr>
+            <a:normAutofit/>
+          </a:bodyPr>
+          <a:lstStyle/>
+          <a:p>
+            <a:pPr algn="just"/>
+            <a:r>
+              <a:rPr lang="fr-FR" dirty="0"/>
+              <a:t>Le domaine du machine </a:t>
+            </a:r>
+            <a:r>
+              <a:rPr lang="fr-FR" dirty="0" err="1"/>
+              <a:t>learning</a:t>
+            </a:r>
+            <a:r>
+              <a:rPr lang="fr-FR" dirty="0"/>
+              <a:t> et de la Data Science évolue très rapidement. </a:t>
+            </a:r>
+          </a:p>
+          <a:p>
+            <a:pPr algn="just"/>
+            <a:r>
+              <a:rPr lang="fr-FR" dirty="0"/>
+              <a:t>Se tenir au courant des avancées dans le domaine en effectuant une veille thématique. </a:t>
+            </a:r>
+          </a:p>
+          <a:p>
+            <a:pPr algn="just"/>
+            <a:r>
+              <a:rPr lang="fr-FR" dirty="0"/>
+              <a:t>Monter rapidement en compétence sur une nouvelle thématique.</a:t>
+            </a:r>
+          </a:p>
+          <a:p>
+            <a:pPr algn="just"/>
+            <a:r>
+              <a:rPr lang="fr-FR" dirty="0"/>
+              <a:t>Proposer des POC.</a:t>
+            </a:r>
+          </a:p>
+        </p:txBody>
+      </p:sp>
+      <p:sp>
+        <p:nvSpPr>
+          <p:cNvPr id="4" name="Flèche droite 4">
+            <a:extLst>
+              <a:ext uri="{FF2B5EF4-FFF2-40B4-BE49-F238E27FC236}">
+                <a16:creationId xmlns:a16="http://schemas.microsoft.com/office/drawing/2014/main" id="{91F4C41E-3933-4D83-BD43-F3AF42B8719C}"/>
+              </a:ext>
+            </a:extLst>
+          </p:cNvPr>
+          <p:cNvSpPr/>
+          <p:nvPr/>
+        </p:nvSpPr>
+        <p:spPr>
+          <a:xfrm>
+            <a:off x="11736625" y="6488757"/>
+            <a:ext cx="432048" cy="360040"/>
+          </a:xfrm>
+          <a:prstGeom prst="rightArrow">
+            <a:avLst/>
+          </a:prstGeom>
+          <a:ln/>
+        </p:spPr>
+        <p:style>
+          <a:lnRef idx="0">
+            <a:schemeClr val="dk1"/>
+          </a:lnRef>
+          <a:fillRef idx="3">
+            <a:schemeClr val="dk1"/>
+          </a:fillRef>
+          <a:effectRef idx="3">
+            <a:schemeClr val="dk1"/>
+          </a:effectRef>
+          <a:fontRef idx="minor">
+            <a:schemeClr val="lt1"/>
+          </a:fontRef>
+        </p:style>
+        <p:txBody>
+          <a:bodyPr rtlCol="0" anchor="ctr"/>
+          <a:lstStyle/>
+          <a:p>
+            <a:pPr algn="ctr"/>
+            <a:endParaRPr lang="fr-FR"/>
+          </a:p>
+        </p:txBody>
+      </p:sp>
+    </p:spTree>
+    <p:extLst>
+      <p:ext uri="{BB962C8B-B14F-4D97-AF65-F5344CB8AC3E}">
+        <p14:creationId xmlns:p14="http://schemas.microsoft.com/office/powerpoint/2010/main" val="800102586"/>
+      </p:ext>
+    </p:extLst>
+  </p:cSld>
+  <p:clrMapOvr>
+    <a:masterClrMapping/>
+  </p:clrMapOvr>
+  <mc:AlternateContent xmlns:mc="http://schemas.openxmlformats.org/markup-compatibility/2006" xmlns:p14="http://schemas.microsoft.com/office/powerpoint/2010/main">
+    <mc:Choice Requires="p14">
+      <p:transition spd="med" p14:dur="700">
+        <p:fade/>
+      </p:transition>
+    </mc:Choice>
+    <mc:Fallback xmlns="">
+      <p:transition spd="med">
+        <p:fade/>
+      </p:transition>
+    </mc:Fallback>
+  </mc:AlternateContent>
+  <p:timing>
+    <p:tnLst>
+      <p:par>
+        <p:cTn id="1" dur="indefinite" restart="never" nodeType="tmRoot">
+          <p:childTnLst>
+            <p:seq concurrent="1" nextAc="seek">
+              <p:cTn id="2" dur="indefinite" nodeType="mainSeq">
+                <p:childTnLst>
+                  <p:par>
+                    <p:cTn id="3" fill="hold">
+                      <p:stCondLst>
+                        <p:cond delay="indefinite"/>
+                      </p:stCondLst>
+                      <p:childTnLst>
+                        <p:par>
+                          <p:cTn id="4" fill="hold">
+                            <p:stCondLst>
+                              <p:cond delay="0"/>
+                            </p:stCondLst>
+                            <p:childTnLst>
+                              <p:par>
+                                <p:cTn id="5" presetID="1" presetClass="entr" presetSubtype="0" fill="hold" grpId="0" nodeType="clickEffect">
+                                  <p:stCondLst>
+                                    <p:cond delay="0"/>
+                                  </p:stCondLst>
+                                  <p:childTnLst>
+                                    <p:set>
+                                      <p:cBhvr>
+                                        <p:cTn id="6" dur="1" fill="hold">
+                                          <p:stCondLst>
+                                            <p:cond delay="0"/>
+                                          </p:stCondLst>
+                                        </p:cTn>
+                                        <p:tgtEl>
+                                          <p:spTgt spid="3">
+                                            <p:txEl>
+                                              <p:pRg st="0" end="0"/>
+                                            </p:txEl>
+                                          </p:spTgt>
+                                        </p:tgtEl>
+                                        <p:attrNameLst>
+                                          <p:attrName>style.visibility</p:attrName>
+                                        </p:attrNameLst>
+                                      </p:cBhvr>
+                                      <p:to>
+                                        <p:strVal val="visible"/>
+                                      </p:to>
+                                    </p:set>
+                                  </p:childTnLst>
+                                </p:cTn>
+                              </p:par>
+                            </p:childTnLst>
+                          </p:cTn>
+                        </p:par>
+                      </p:childTnLst>
+                    </p:cTn>
+                  </p:par>
+                  <p:par>
+                    <p:cTn id="7" fill="hold">
+                      <p:stCondLst>
+                        <p:cond delay="indefinite"/>
+                      </p:stCondLst>
+                      <p:childTnLst>
+                        <p:par>
+                          <p:cTn id="8" fill="hold">
+                            <p:stCondLst>
+                              <p:cond delay="0"/>
+                            </p:stCondLst>
+                            <p:childTnLst>
+                              <p:par>
+                                <p:cTn id="9" presetID="1" presetClass="entr" presetSubtype="0" fill="hold" grpId="0" nodeType="clickEffect">
+                                  <p:stCondLst>
+                                    <p:cond delay="0"/>
+                                  </p:stCondLst>
+                                  <p:childTnLst>
+                                    <p:set>
+                                      <p:cBhvr>
+                                        <p:cTn id="10" dur="1" fill="hold">
+                                          <p:stCondLst>
+                                            <p:cond delay="0"/>
+                                          </p:stCondLst>
+                                        </p:cTn>
+                                        <p:tgtEl>
+                                          <p:spTgt spid="3">
+                                            <p:txEl>
+                                              <p:pRg st="1" end="1"/>
+                                            </p:txEl>
+                                          </p:spTgt>
+                                        </p:tgtEl>
+                                        <p:attrNameLst>
+                                          <p:attrName>style.visibility</p:attrName>
+                                        </p:attrNameLst>
+                                      </p:cBhvr>
+                                      <p:to>
+                                        <p:strVal val="visible"/>
+                                      </p:to>
+                                    </p:set>
+                                  </p:childTnLst>
+                                </p:cTn>
+                              </p:par>
+                            </p:childTnLst>
+                          </p:cTn>
+                        </p:par>
+                      </p:childTnLst>
+                    </p:cTn>
+                  </p:par>
+                  <p:par>
+                    <p:cTn id="11" fill="hold">
+                      <p:stCondLst>
+                        <p:cond delay="indefinite"/>
+                      </p:stCondLst>
+                      <p:childTnLst>
+                        <p:par>
+                          <p:cTn id="12" fill="hold">
+                            <p:stCondLst>
+                              <p:cond delay="0"/>
+                            </p:stCondLst>
+                            <p:childTnLst>
+                              <p:par>
+                                <p:cTn id="13" presetID="1" presetClass="entr" presetSubtype="0" fill="hold" grpId="0" nodeType="clickEffect">
+                                  <p:stCondLst>
+                                    <p:cond delay="0"/>
+                                  </p:stCondLst>
+                                  <p:childTnLst>
+                                    <p:set>
+                                      <p:cBhvr>
+                                        <p:cTn id="14" dur="1" fill="hold">
+                                          <p:stCondLst>
+                                            <p:cond delay="0"/>
+                                          </p:stCondLst>
+                                        </p:cTn>
+                                        <p:tgtEl>
+                                          <p:spTgt spid="3">
+                                            <p:txEl>
+                                              <p:pRg st="2" end="2"/>
+                                            </p:txEl>
+                                          </p:spTgt>
+                                        </p:tgtEl>
+                                        <p:attrNameLst>
+                                          <p:attrName>style.visibility</p:attrName>
+                                        </p:attrNameLst>
+                                      </p:cBhvr>
+                                      <p:to>
+                                        <p:strVal val="visible"/>
+                                      </p:to>
+                                    </p:set>
+                                  </p:childTnLst>
+                                </p:cTn>
+                              </p:par>
+                            </p:childTnLst>
+                          </p:cTn>
+                        </p:par>
+                      </p:childTnLst>
+                    </p:cTn>
+                  </p:par>
+                  <p:par>
+                    <p:cTn id="15" fill="hold">
+                      <p:stCondLst>
+                        <p:cond delay="indefinite"/>
+                      </p:stCondLst>
+                      <p:childTnLst>
+                        <p:par>
+                          <p:cTn id="16" fill="hold">
+                            <p:stCondLst>
+                              <p:cond delay="0"/>
+                            </p:stCondLst>
+                            <p:childTnLst>
+                              <p:par>
+                                <p:cTn id="17" presetID="1" presetClass="entr" presetSubtype="0" fill="hold" grpId="0" nodeType="clickEffect">
+                                  <p:stCondLst>
+                                    <p:cond delay="0"/>
+                                  </p:stCondLst>
+                                  <p:childTnLst>
+                                    <p:set>
+                                      <p:cBhvr>
+                                        <p:cTn id="18" dur="1" fill="hold">
+                                          <p:stCondLst>
+                                            <p:cond delay="0"/>
+                                          </p:stCondLst>
+                                        </p:cTn>
+                                        <p:tgtEl>
+                                          <p:spTgt spid="3">
+                                            <p:txEl>
+                                              <p:pRg st="3" end="3"/>
+                                            </p:txEl>
+                                          </p:spTgt>
+                                        </p:tgtEl>
+                                        <p:attrNameLst>
+                                          <p:attrName>style.visibility</p:attrName>
+                                        </p:attrNameLst>
+                                      </p:cBhvr>
+                                      <p:to>
+                                        <p:strVal val="visible"/>
+                                      </p:to>
+                                    </p:set>
+                                  </p:childTnLst>
+                                </p:cTn>
+                              </p:par>
+                            </p:childTnLst>
+                          </p:cTn>
+                        </p:par>
+                        <p:par>
+                          <p:cTn id="19" fill="hold">
+                            <p:stCondLst>
+                              <p:cond delay="0"/>
+                            </p:stCondLst>
+                            <p:childTnLst>
+                              <p:par>
+                                <p:cTn id="20" presetID="1" presetClass="entr" presetSubtype="0" fill="hold" grpId="0" nodeType="afterEffect">
+                                  <p:stCondLst>
+                                    <p:cond delay="0"/>
+                                  </p:stCondLst>
+                                  <p:childTnLst>
+                                    <p:set>
+                                      <p:cBhvr>
+                                        <p:cTn id="21" dur="1" fill="hold">
+                                          <p:stCondLst>
+                                            <p:cond delay="0"/>
+                                          </p:stCondLst>
+                                        </p:cTn>
+                                        <p:tgtEl>
+                                          <p:spTgt spid="4"/>
+                                        </p:tgtEl>
+                                        <p:attrNameLst>
+                                          <p:attrName>style.visibility</p:attrName>
+                                        </p:attrNameLst>
+                                      </p:cBhvr>
+                                      <p:to>
+                                        <p:strVal val="visible"/>
+                                      </p:to>
+                                    </p:set>
+                                  </p:childTnLst>
+                                </p:cTn>
+                              </p:par>
+                            </p:childTnLst>
+                          </p:cTn>
+                        </p:par>
+                      </p:childTnLst>
+                    </p:cTn>
+                  </p:par>
+                </p:childTnLst>
+              </p:cTn>
+              <p:prevCondLst>
+                <p:cond evt="onPrev" delay="0">
+                  <p:tgtEl>
+                    <p:sldTgt/>
+                  </p:tgtEl>
+                </p:cond>
+              </p:prevCondLst>
+              <p:nextCondLst>
+                <p:cond evt="onNext" delay="0">
+                  <p:tgtEl>
+                    <p:sldTgt/>
+                  </p:tgtEl>
+                </p:cond>
+              </p:nextCondLst>
+            </p:seq>
+          </p:childTnLst>
+        </p:cTn>
+      </p:par>
+    </p:tnLst>
+    <p:bldLst>
+      <p:bldP spid="3" grpId="0" uiExpand="1" build="p"/>
+      <p:bldP spid="4" grpId="0" animBg="1"/>
+    </p:bldLst>
+  </p:timing>
+</p:sld>
+</file>
+
+<file path=ppt/slides/slide30.xml><?xml version="1.0" encoding="utf-8"?>
 <p:sld xmlns:a="http://schemas.openxmlformats.org/drawingml/2006/main" xmlns:r="http://schemas.openxmlformats.org/officeDocument/2006/relationships" xmlns:p="http://schemas.openxmlformats.org/presentationml/2006/main">
   <p:cSld>
     <p:spTree>
@@ -19804,7 +22212,7 @@
 </p:sld>
 </file>
 
-<file path=ppt/slides/slide28.xml><?xml version="1.0" encoding="utf-8"?>
+<file path=ppt/slides/slide31.xml><?xml version="1.0" encoding="utf-8"?>
 <p:sld xmlns:a="http://schemas.openxmlformats.org/drawingml/2006/main" xmlns:r="http://schemas.openxmlformats.org/officeDocument/2006/relationships" xmlns:p="http://schemas.openxmlformats.org/presentationml/2006/main">
   <p:cSld>
     <p:spTree>
@@ -19850,8 +22258,8 @@
           </a:p>
         </p:txBody>
       </p:sp>
-      <mc:AlternateContent xmlns:mc="http://schemas.openxmlformats.org/markup-compatibility/2006">
-        <mc:Choice xmlns:a14="http://schemas.microsoft.com/office/drawing/2010/main" Requires="a14">
+      <mc:AlternateContent xmlns:mc="http://schemas.openxmlformats.org/markup-compatibility/2006" xmlns:a14="http://schemas.microsoft.com/office/drawing/2010/main">
+        <mc:Choice Requires="a14">
           <p:sp>
             <p:nvSpPr>
               <p:cNvPr id="5" name="Espace réservé du contenu 4">
@@ -19887,48 +22295,65 @@
                 </a:r>
               </a:p>
               <a:p>
-                <a:pPr/>
                 <a14:m>
                   <m:oMath xmlns:m="http://schemas.openxmlformats.org/officeDocument/2006/math">
                     <m:r>
-                      <a:rPr lang="fr-FR" i="1"/>
+                      <a:rPr lang="fr-FR" i="1">
+                        <a:latin typeface="Cambria Math" panose="02040503050406030204" pitchFamily="18" charset="0"/>
+                      </a:rPr>
                       <m:t>𝐴𝑐𝑐𝑢𝑟𝑎𝑐𝑦</m:t>
                     </m:r>
                     <m:r>
-                      <a:rPr lang="fr-FR" i="1"/>
+                      <a:rPr lang="fr-FR" i="1">
+                        <a:latin typeface="Cambria Math" panose="02040503050406030204" pitchFamily="18" charset="0"/>
+                      </a:rPr>
                       <m:t>=</m:t>
                     </m:r>
                     <m:f>
                       <m:fPr>
                         <m:ctrlPr>
-                          <a:rPr lang="fr-FR" i="1"/>
+                          <a:rPr lang="fr-FR" i="1">
+                            <a:latin typeface="Cambria Math" panose="02040503050406030204" pitchFamily="18" charset="0"/>
+                          </a:rPr>
                         </m:ctrlPr>
                       </m:fPr>
                       <m:num>
                         <m:r>
-                          <a:rPr lang="fr-FR" i="1"/>
+                          <a:rPr lang="fr-FR" i="1">
+                            <a:latin typeface="Cambria Math" panose="02040503050406030204" pitchFamily="18" charset="0"/>
+                          </a:rPr>
                           <m:t>#</m:t>
                         </m:r>
                         <m:r>
-                          <a:rPr lang="fr-FR" i="1"/>
+                          <a:rPr lang="fr-FR" i="1">
+                            <a:latin typeface="Cambria Math" panose="02040503050406030204" pitchFamily="18" charset="0"/>
+                          </a:rPr>
                           <m:t>𝐶𝑜𝑟𝑟𝑒𝑐𝑡</m:t>
                         </m:r>
                       </m:num>
                       <m:den>
                         <m:r>
-                          <a:rPr lang="fr-FR" i="1"/>
+                          <a:rPr lang="fr-FR" i="1">
+                            <a:latin typeface="Cambria Math" panose="02040503050406030204" pitchFamily="18" charset="0"/>
+                          </a:rPr>
                           <m:t>#</m:t>
                         </m:r>
                         <m:r>
-                          <a:rPr lang="fr-FR" i="1"/>
+                          <a:rPr lang="fr-FR" i="1">
+                            <a:latin typeface="Cambria Math" panose="02040503050406030204" pitchFamily="18" charset="0"/>
+                          </a:rPr>
                           <m:t>𝑃𝑟</m:t>
                         </m:r>
                         <m:r>
-                          <a:rPr lang="fr-FR" i="1"/>
+                          <a:rPr lang="fr-FR" i="1">
+                            <a:latin typeface="Cambria Math" panose="02040503050406030204" pitchFamily="18" charset="0"/>
+                          </a:rPr>
                           <m:t>é</m:t>
                         </m:r>
                         <m:r>
-                          <a:rPr lang="fr-FR" i="1"/>
+                          <a:rPr lang="fr-FR" i="1">
+                            <a:latin typeface="Cambria Math" panose="02040503050406030204" pitchFamily="18" charset="0"/>
+                          </a:rPr>
                           <m:t>𝑑𝑖𝑐𝑡𝑖𝑜𝑛𝑠</m:t>
                         </m:r>
                       </m:den>
@@ -19943,7 +22368,7 @@
             </p:txBody>
           </p:sp>
         </mc:Choice>
-        <mc:Fallback>
+        <mc:Fallback xmlns="">
           <p:sp>
             <p:nvSpPr>
               <p:cNvPr id="5" name="Espace réservé du contenu 4">
@@ -20208,7 +22633,7 @@
 </p:sld>
 </file>
 
-<file path=ppt/slides/slide29.xml><?xml version="1.0" encoding="utf-8"?>
+<file path=ppt/slides/slide32.xml><?xml version="1.0" encoding="utf-8"?>
 <p:sld xmlns:a="http://schemas.openxmlformats.org/drawingml/2006/main" xmlns:r="http://schemas.openxmlformats.org/officeDocument/2006/relationships" xmlns:p="http://schemas.openxmlformats.org/presentationml/2006/main">
   <p:cSld>
     <p:spTree>
@@ -20253,8 +22678,8 @@
           </a:p>
         </p:txBody>
       </p:sp>
-      <mc:AlternateContent xmlns:mc="http://schemas.openxmlformats.org/markup-compatibility/2006">
-        <mc:Choice xmlns:a14="http://schemas.microsoft.com/office/drawing/2010/main" Requires="a14">
+      <mc:AlternateContent xmlns:mc="http://schemas.openxmlformats.org/markup-compatibility/2006" xmlns:a14="http://schemas.microsoft.com/office/drawing/2010/main">
+        <mc:Choice Requires="a14">
           <p:sp>
             <p:nvSpPr>
               <p:cNvPr id="5" name="Espace réservé du contenu 4">
@@ -20292,27 +22717,38 @@
                         <a:solidFill>
                           <a:srgbClr val="0070C0"/>
                         </a:solidFill>
+                        <a:latin typeface="Cambria Math" panose="02040503050406030204" pitchFamily="18" charset="0"/>
                       </a:rPr>
                       <m:t>𝑀𝑖𝑠𝑒</m:t>
                     </m:r>
                     <m:r>
-                      <a:rPr lang="fr-FR" i="1"/>
+                      <a:rPr lang="fr-FR" i="1">
+                        <a:latin typeface="Cambria Math" panose="02040503050406030204" pitchFamily="18" charset="0"/>
+                      </a:rPr>
                       <m:t>=</m:t>
                     </m:r>
                     <m:r>
-                      <a:rPr lang="fr-FR" i="1"/>
+                      <a:rPr lang="fr-FR" i="1">
+                        <a:latin typeface="Cambria Math" panose="02040503050406030204" pitchFamily="18" charset="0"/>
+                      </a:rPr>
                       <m:t>𝑣𝑎𝑙𝑒𝑢𝑟</m:t>
                     </m:r>
                     <m:r>
-                      <a:rPr lang="fr-FR" i="1"/>
+                      <a:rPr lang="fr-FR" i="1">
+                        <a:latin typeface="Cambria Math" panose="02040503050406030204" pitchFamily="18" charset="0"/>
+                      </a:rPr>
                       <m:t> </m:t>
                     </m:r>
                     <m:r>
-                      <a:rPr lang="fr-FR" i="1"/>
+                      <a:rPr lang="fr-FR" i="1">
+                        <a:latin typeface="Cambria Math" panose="02040503050406030204" pitchFamily="18" charset="0"/>
+                      </a:rPr>
                       <m:t>𝑐𝑜𝑛𝑠𝑡𝑎𝑛𝑡𝑒</m:t>
                     </m:r>
                     <m:r>
-                      <a:rPr lang="fr-FR" i="1"/>
+                      <a:rPr lang="fr-FR" i="1">
+                        <a:latin typeface="Cambria Math" panose="02040503050406030204" pitchFamily="18" charset="0"/>
+                      </a:rPr>
                       <m:t>=1</m:t>
                     </m:r>
                   </m:oMath>
@@ -20334,6 +22770,7 @@
                         <a:solidFill>
                           <a:srgbClr val="00B050"/>
                         </a:solidFill>
+                        <a:latin typeface="Cambria Math" panose="02040503050406030204" pitchFamily="18" charset="0"/>
                       </a:rPr>
                       <m:t>𝐺𝑎𝑖𝑛</m:t>
                     </m:r>
@@ -20342,6 +22779,7 @@
                         <a:solidFill>
                           <a:srgbClr val="00B050"/>
                         </a:solidFill>
+                        <a:latin typeface="Cambria Math" panose="02040503050406030204" pitchFamily="18" charset="0"/>
                       </a:rPr>
                       <m:t> </m:t>
                     </m:r>
@@ -20350,11 +22788,14 @@
                         <a:solidFill>
                           <a:srgbClr val="00B050"/>
                         </a:solidFill>
+                        <a:latin typeface="Cambria Math" panose="02040503050406030204" pitchFamily="18" charset="0"/>
                       </a:rPr>
                       <m:t>𝑝𝑜𝑠𝑖𝑡𝑖𝑓</m:t>
                     </m:r>
                     <m:r>
-                      <a:rPr lang="fr-FR" i="1"/>
+                      <a:rPr lang="fr-FR" i="1">
+                        <a:latin typeface="Cambria Math" panose="02040503050406030204" pitchFamily="18" charset="0"/>
+                      </a:rPr>
                       <m:t>=</m:t>
                     </m:r>
                     <m:r>
@@ -20362,19 +22803,26 @@
                         <a:solidFill>
                           <a:srgbClr val="0070C0"/>
                         </a:solidFill>
+                        <a:latin typeface="Cambria Math" panose="02040503050406030204" pitchFamily="18" charset="0"/>
                       </a:rPr>
                       <m:t>𝑀𝑖𝑠𝑒</m:t>
                     </m:r>
                     <m:r>
-                      <a:rPr lang="fr-FR" i="1"/>
+                      <a:rPr lang="fr-FR" i="1">
+                        <a:latin typeface="Cambria Math" panose="02040503050406030204" pitchFamily="18" charset="0"/>
+                      </a:rPr>
                       <m:t>∗(</m:t>
                     </m:r>
                     <m:r>
-                      <a:rPr lang="fr-FR" i="1"/>
+                      <a:rPr lang="fr-FR" i="1">
+                        <a:latin typeface="Cambria Math" panose="02040503050406030204" pitchFamily="18" charset="0"/>
+                      </a:rPr>
                       <m:t>𝐶𝑜𝑡𝑒</m:t>
                     </m:r>
                     <m:r>
-                      <a:rPr lang="fr-FR" i="1"/>
+                      <a:rPr lang="fr-FR" i="1">
+                        <a:latin typeface="Cambria Math" panose="02040503050406030204" pitchFamily="18" charset="0"/>
+                      </a:rPr>
                       <m:t>−1)</m:t>
                     </m:r>
                   </m:oMath>
@@ -20396,6 +22844,7 @@
                         <a:solidFill>
                           <a:srgbClr val="FF0000"/>
                         </a:solidFill>
+                        <a:latin typeface="Cambria Math" panose="02040503050406030204" pitchFamily="18" charset="0"/>
                       </a:rPr>
                       <m:t>𝐺𝑎𝑖𝑛</m:t>
                     </m:r>
@@ -20404,6 +22853,7 @@
                         <a:solidFill>
                           <a:srgbClr val="FF0000"/>
                         </a:solidFill>
+                        <a:latin typeface="Cambria Math" panose="02040503050406030204" pitchFamily="18" charset="0"/>
                       </a:rPr>
                       <m:t> </m:t>
                     </m:r>
@@ -20412,6 +22862,7 @@
                         <a:solidFill>
                           <a:srgbClr val="FF0000"/>
                         </a:solidFill>
+                        <a:latin typeface="Cambria Math" panose="02040503050406030204" pitchFamily="18" charset="0"/>
                       </a:rPr>
                       <m:t>𝑛</m:t>
                     </m:r>
@@ -20420,6 +22871,7 @@
                         <a:solidFill>
                           <a:srgbClr val="FF0000"/>
                         </a:solidFill>
+                        <a:latin typeface="Cambria Math" panose="02040503050406030204" pitchFamily="18" charset="0"/>
                       </a:rPr>
                       <m:t>é</m:t>
                     </m:r>
@@ -20428,11 +22880,14 @@
                         <a:solidFill>
                           <a:srgbClr val="FF0000"/>
                         </a:solidFill>
+                        <a:latin typeface="Cambria Math" panose="02040503050406030204" pitchFamily="18" charset="0"/>
                       </a:rPr>
                       <m:t>𝑔𝑎𝑡𝑖𝑓</m:t>
                     </m:r>
                     <m:r>
-                      <a:rPr lang="fr-FR" i="1"/>
+                      <a:rPr lang="fr-FR" i="1">
+                        <a:latin typeface="Cambria Math" panose="02040503050406030204" pitchFamily="18" charset="0"/>
+                      </a:rPr>
                       <m:t>= −</m:t>
                     </m:r>
                     <m:r>
@@ -20440,6 +22895,7 @@
                         <a:solidFill>
                           <a:srgbClr val="0070C0"/>
                         </a:solidFill>
+                        <a:latin typeface="Cambria Math" panose="02040503050406030204" pitchFamily="18" charset="0"/>
                       </a:rPr>
                       <m:t>𝑀𝑖𝑠𝑒</m:t>
                     </m:r>
@@ -20458,19 +22914,27 @@
                 <a14:m>
                   <m:oMath xmlns:m="http://schemas.openxmlformats.org/officeDocument/2006/math">
                     <m:r>
-                      <a:rPr lang="fr-FR" i="1"/>
+                      <a:rPr lang="fr-FR" i="1">
+                        <a:latin typeface="Cambria Math" panose="02040503050406030204" pitchFamily="18" charset="0"/>
+                      </a:rPr>
                       <m:t>𝐺𝑎𝑖𝑛</m:t>
                     </m:r>
                     <m:r>
-                      <a:rPr lang="fr-FR" i="1"/>
+                      <a:rPr lang="fr-FR" i="1">
+                        <a:latin typeface="Cambria Math" panose="02040503050406030204" pitchFamily="18" charset="0"/>
+                      </a:rPr>
                       <m:t> </m:t>
                     </m:r>
                     <m:r>
-                      <a:rPr lang="fr-FR" i="1"/>
+                      <a:rPr lang="fr-FR" i="1">
+                        <a:latin typeface="Cambria Math" panose="02040503050406030204" pitchFamily="18" charset="0"/>
+                      </a:rPr>
                       <m:t>𝑡𝑜𝑡𝑎𝑙</m:t>
                     </m:r>
                     <m:r>
-                      <a:rPr lang="fr-FR" i="1"/>
+                      <a:rPr lang="fr-FR" i="1">
+                        <a:latin typeface="Cambria Math" panose="02040503050406030204" pitchFamily="18" charset="0"/>
+                      </a:rPr>
                       <m:t>= </m:t>
                     </m:r>
                     <m:nary>
@@ -20480,7 +22944,9 @@
                         <m:subHide m:val="on"/>
                         <m:supHide m:val="on"/>
                         <m:ctrlPr>
-                          <a:rPr lang="fr-FR" i="1"/>
+                          <a:rPr lang="fr-FR" i="1">
+                            <a:latin typeface="Cambria Math" panose="02040503050406030204" pitchFamily="18" charset="0"/>
+                          </a:rPr>
                         </m:ctrlPr>
                       </m:naryPr>
                       <m:sub/>
@@ -20491,6 +22957,7 @@
                             <a:solidFill>
                               <a:srgbClr val="00B050"/>
                             </a:solidFill>
+                            <a:latin typeface="Cambria Math" panose="02040503050406030204" pitchFamily="18" charset="0"/>
                           </a:rPr>
                           <m:t>𝐺𝑎𝑖𝑛</m:t>
                         </m:r>
@@ -20499,6 +22966,7 @@
                             <a:solidFill>
                               <a:srgbClr val="00B050"/>
                             </a:solidFill>
+                            <a:latin typeface="Cambria Math" panose="02040503050406030204" pitchFamily="18" charset="0"/>
                           </a:rPr>
                           <m:t> </m:t>
                         </m:r>
@@ -20507,11 +22975,14 @@
                             <a:solidFill>
                               <a:srgbClr val="00B050"/>
                             </a:solidFill>
+                            <a:latin typeface="Cambria Math" panose="02040503050406030204" pitchFamily="18" charset="0"/>
                           </a:rPr>
                           <m:t>𝑝𝑜𝑠𝑖𝑡𝑖𝑓</m:t>
                         </m:r>
                         <m:r>
-                          <a:rPr lang="fr-FR" i="1"/>
+                          <a:rPr lang="fr-FR" i="1">
+                            <a:latin typeface="Cambria Math" panose="02040503050406030204" pitchFamily="18" charset="0"/>
+                          </a:rPr>
                           <m:t>+ </m:t>
                         </m:r>
                         <m:nary>
@@ -20525,6 +22996,7 @@
                                 <a:solidFill>
                                   <a:schemeClr val="tx1"/>
                                 </a:solidFill>
+                                <a:latin typeface="Cambria Math" panose="02040503050406030204" pitchFamily="18" charset="0"/>
                               </a:rPr>
                             </m:ctrlPr>
                           </m:naryPr>
@@ -20536,6 +23008,7 @@
                                 <a:solidFill>
                                   <a:srgbClr val="FF0000"/>
                                 </a:solidFill>
+                                <a:latin typeface="Cambria Math" panose="02040503050406030204" pitchFamily="18" charset="0"/>
                               </a:rPr>
                               <m:t>𝐺𝑎𝑖𝑛</m:t>
                             </m:r>
@@ -20544,6 +23017,7 @@
                                 <a:solidFill>
                                   <a:srgbClr val="FF0000"/>
                                 </a:solidFill>
+                                <a:latin typeface="Cambria Math" panose="02040503050406030204" pitchFamily="18" charset="0"/>
                               </a:rPr>
                               <m:t> </m:t>
                             </m:r>
@@ -20552,6 +23026,7 @@
                                 <a:solidFill>
                                   <a:srgbClr val="FF0000"/>
                                 </a:solidFill>
+                                <a:latin typeface="Cambria Math" panose="02040503050406030204" pitchFamily="18" charset="0"/>
                               </a:rPr>
                               <m:t>𝑛</m:t>
                             </m:r>
@@ -20560,6 +23035,7 @@
                                 <a:solidFill>
                                   <a:srgbClr val="FF0000"/>
                                 </a:solidFill>
+                                <a:latin typeface="Cambria Math" panose="02040503050406030204" pitchFamily="18" charset="0"/>
                               </a:rPr>
                               <m:t>é</m:t>
                             </m:r>
@@ -20568,6 +23044,7 @@
                                 <a:solidFill>
                                   <a:srgbClr val="FF0000"/>
                                 </a:solidFill>
+                                <a:latin typeface="Cambria Math" panose="02040503050406030204" pitchFamily="18" charset="0"/>
                               </a:rPr>
                               <m:t>𝑔𝑎𝑡𝑖𝑓</m:t>
                             </m:r>
@@ -20576,6 +23053,7 @@
                                 <a:solidFill>
                                   <a:srgbClr val="FF0000"/>
                                 </a:solidFill>
+                                <a:latin typeface="Cambria Math" panose="02040503050406030204" pitchFamily="18" charset="0"/>
                               </a:rPr>
                               <m:t> </m:t>
                             </m:r>
@@ -20593,7 +23071,7 @@
             </p:txBody>
           </p:sp>
         </mc:Choice>
-        <mc:Fallback>
+        <mc:Fallback xmlns="">
           <p:sp>
             <p:nvSpPr>
               <p:cNvPr id="5" name="Espace réservé du contenu 4">
@@ -21152,448 +23630,7 @@
 </p:sld>
 </file>
 
-<file path=ppt/slides/slide3.xml><?xml version="1.0" encoding="utf-8"?>
-<p:sld xmlns:a="http://schemas.openxmlformats.org/drawingml/2006/main" xmlns:r="http://schemas.openxmlformats.org/officeDocument/2006/relationships" xmlns:p="http://schemas.openxmlformats.org/presentationml/2006/main">
-  <p:cSld>
-    <p:spTree>
-      <p:nvGrpSpPr>
-        <p:cNvPr id="1" name=""/>
-        <p:cNvGrpSpPr/>
-        <p:nvPr/>
-      </p:nvGrpSpPr>
-      <p:grpSpPr>
-        <a:xfrm>
-          <a:off x="0" y="0"/>
-          <a:ext cx="0" cy="0"/>
-          <a:chOff x="0" y="0"/>
-          <a:chExt cx="0" cy="0"/>
-        </a:xfrm>
-      </p:grpSpPr>
-      <p:sp>
-        <p:nvSpPr>
-          <p:cNvPr id="2" name="Titre 1">
-            <a:extLst>
-              <a:ext uri="{FF2B5EF4-FFF2-40B4-BE49-F238E27FC236}">
-                <a16:creationId xmlns:a16="http://schemas.microsoft.com/office/drawing/2014/main" id="{84AABC20-5132-4586-8B82-189825693BC6}"/>
-              </a:ext>
-            </a:extLst>
-          </p:cNvPr>
-          <p:cNvSpPr>
-            <a:spLocks noGrp="1"/>
-          </p:cNvSpPr>
-          <p:nvPr>
-            <p:ph type="title"/>
-          </p:nvPr>
-        </p:nvSpPr>
-        <p:spPr/>
-        <p:txBody>
-          <a:bodyPr/>
-          <a:lstStyle/>
-          <a:p>
-            <a:r>
-              <a:rPr lang="fr-FR" dirty="0"/>
-              <a:t>Introduction de la problématique</a:t>
-            </a:r>
-          </a:p>
-        </p:txBody>
-      </p:sp>
-      <p:sp>
-        <p:nvSpPr>
-          <p:cNvPr id="3" name="Espace réservé du contenu 2">
-            <a:extLst>
-              <a:ext uri="{FF2B5EF4-FFF2-40B4-BE49-F238E27FC236}">
-                <a16:creationId xmlns:a16="http://schemas.microsoft.com/office/drawing/2014/main" id="{E7A94BB3-7E08-42A3-BA21-56BAB1611BB4}"/>
-              </a:ext>
-            </a:extLst>
-          </p:cNvPr>
-          <p:cNvSpPr>
-            <a:spLocks noGrp="1"/>
-          </p:cNvSpPr>
-          <p:nvPr>
-            <p:ph idx="1"/>
-          </p:nvPr>
-        </p:nvSpPr>
-        <p:spPr/>
-        <p:txBody>
-          <a:bodyPr>
-            <a:normAutofit/>
-          </a:bodyPr>
-          <a:lstStyle/>
-          <a:p>
-            <a:pPr algn="just"/>
-            <a:r>
-              <a:rPr lang="fr-FR" dirty="0"/>
-              <a:t>Le domaine du machine </a:t>
-            </a:r>
-            <a:r>
-              <a:rPr lang="fr-FR" dirty="0" err="1"/>
-              <a:t>learning</a:t>
-            </a:r>
-            <a:r>
-              <a:rPr lang="fr-FR" dirty="0"/>
-              <a:t> et de la Data Science évolue très rapidement. </a:t>
-            </a:r>
-          </a:p>
-          <a:p>
-            <a:pPr algn="just"/>
-            <a:r>
-              <a:rPr lang="fr-FR" dirty="0"/>
-              <a:t>Se tenir au courant des avancées dans le domaine en effectuant une veille thématique. </a:t>
-            </a:r>
-          </a:p>
-          <a:p>
-            <a:pPr algn="just"/>
-            <a:r>
-              <a:rPr lang="fr-FR" dirty="0"/>
-              <a:t>Monter rapidement en compétence sur une nouvelle thématique.</a:t>
-            </a:r>
-          </a:p>
-          <a:p>
-            <a:pPr algn="just"/>
-            <a:r>
-              <a:rPr lang="fr-FR" dirty="0"/>
-              <a:t>Proposer des POC.</a:t>
-            </a:r>
-          </a:p>
-        </p:txBody>
-      </p:sp>
-      <p:sp>
-        <p:nvSpPr>
-          <p:cNvPr id="4" name="Flèche droite 4">
-            <a:extLst>
-              <a:ext uri="{FF2B5EF4-FFF2-40B4-BE49-F238E27FC236}">
-                <a16:creationId xmlns:a16="http://schemas.microsoft.com/office/drawing/2014/main" id="{91F4C41E-3933-4D83-BD43-F3AF42B8719C}"/>
-              </a:ext>
-            </a:extLst>
-          </p:cNvPr>
-          <p:cNvSpPr/>
-          <p:nvPr/>
-        </p:nvSpPr>
-        <p:spPr>
-          <a:xfrm>
-            <a:off x="11736625" y="6488757"/>
-            <a:ext cx="432048" cy="360040"/>
-          </a:xfrm>
-          <a:prstGeom prst="rightArrow">
-            <a:avLst/>
-          </a:prstGeom>
-          <a:ln/>
-        </p:spPr>
-        <p:style>
-          <a:lnRef idx="0">
-            <a:schemeClr val="dk1"/>
-          </a:lnRef>
-          <a:fillRef idx="3">
-            <a:schemeClr val="dk1"/>
-          </a:fillRef>
-          <a:effectRef idx="3">
-            <a:schemeClr val="dk1"/>
-          </a:effectRef>
-          <a:fontRef idx="minor">
-            <a:schemeClr val="lt1"/>
-          </a:fontRef>
-        </p:style>
-        <p:txBody>
-          <a:bodyPr rtlCol="0" anchor="ctr"/>
-          <a:lstStyle/>
-          <a:p>
-            <a:pPr algn="ctr"/>
-            <a:endParaRPr lang="fr-FR"/>
-          </a:p>
-        </p:txBody>
-      </p:sp>
-    </p:spTree>
-    <p:extLst>
-      <p:ext uri="{BB962C8B-B14F-4D97-AF65-F5344CB8AC3E}">
-        <p14:creationId xmlns:p14="http://schemas.microsoft.com/office/powerpoint/2010/main" val="800102586"/>
-      </p:ext>
-    </p:extLst>
-  </p:cSld>
-  <p:clrMapOvr>
-    <a:masterClrMapping/>
-  </p:clrMapOvr>
-  <mc:AlternateContent xmlns:mc="http://schemas.openxmlformats.org/markup-compatibility/2006" xmlns:p14="http://schemas.microsoft.com/office/powerpoint/2010/main">
-    <mc:Choice Requires="p14">
-      <p:transition spd="med" p14:dur="700">
-        <p:fade/>
-      </p:transition>
-    </mc:Choice>
-    <mc:Fallback xmlns="">
-      <p:transition spd="med">
-        <p:fade/>
-      </p:transition>
-    </mc:Fallback>
-  </mc:AlternateContent>
-  <p:timing>
-    <p:tnLst>
-      <p:par>
-        <p:cTn id="1" dur="indefinite" restart="never" nodeType="tmRoot">
-          <p:childTnLst>
-            <p:seq concurrent="1" nextAc="seek">
-              <p:cTn id="2" dur="indefinite" nodeType="mainSeq">
-                <p:childTnLst>
-                  <p:par>
-                    <p:cTn id="3" fill="hold">
-                      <p:stCondLst>
-                        <p:cond delay="indefinite"/>
-                      </p:stCondLst>
-                      <p:childTnLst>
-                        <p:par>
-                          <p:cTn id="4" fill="hold">
-                            <p:stCondLst>
-                              <p:cond delay="0"/>
-                            </p:stCondLst>
-                            <p:childTnLst>
-                              <p:par>
-                                <p:cTn id="5" presetID="1" presetClass="entr" presetSubtype="0" fill="hold" grpId="0" nodeType="clickEffect">
-                                  <p:stCondLst>
-                                    <p:cond delay="0"/>
-                                  </p:stCondLst>
-                                  <p:childTnLst>
-                                    <p:set>
-                                      <p:cBhvr>
-                                        <p:cTn id="6" dur="1" fill="hold">
-                                          <p:stCondLst>
-                                            <p:cond delay="0"/>
-                                          </p:stCondLst>
-                                        </p:cTn>
-                                        <p:tgtEl>
-                                          <p:spTgt spid="3">
-                                            <p:txEl>
-                                              <p:pRg st="0" end="0"/>
-                                            </p:txEl>
-                                          </p:spTgt>
-                                        </p:tgtEl>
-                                        <p:attrNameLst>
-                                          <p:attrName>style.visibility</p:attrName>
-                                        </p:attrNameLst>
-                                      </p:cBhvr>
-                                      <p:to>
-                                        <p:strVal val="visible"/>
-                                      </p:to>
-                                    </p:set>
-                                  </p:childTnLst>
-                                </p:cTn>
-                              </p:par>
-                            </p:childTnLst>
-                          </p:cTn>
-                        </p:par>
-                      </p:childTnLst>
-                    </p:cTn>
-                  </p:par>
-                  <p:par>
-                    <p:cTn id="7" fill="hold">
-                      <p:stCondLst>
-                        <p:cond delay="indefinite"/>
-                      </p:stCondLst>
-                      <p:childTnLst>
-                        <p:par>
-                          <p:cTn id="8" fill="hold">
-                            <p:stCondLst>
-                              <p:cond delay="0"/>
-                            </p:stCondLst>
-                            <p:childTnLst>
-                              <p:par>
-                                <p:cTn id="9" presetID="1" presetClass="entr" presetSubtype="0" fill="hold" grpId="0" nodeType="clickEffect">
-                                  <p:stCondLst>
-                                    <p:cond delay="0"/>
-                                  </p:stCondLst>
-                                  <p:childTnLst>
-                                    <p:set>
-                                      <p:cBhvr>
-                                        <p:cTn id="10" dur="1" fill="hold">
-                                          <p:stCondLst>
-                                            <p:cond delay="0"/>
-                                          </p:stCondLst>
-                                        </p:cTn>
-                                        <p:tgtEl>
-                                          <p:spTgt spid="3">
-                                            <p:txEl>
-                                              <p:pRg st="1" end="1"/>
-                                            </p:txEl>
-                                          </p:spTgt>
-                                        </p:tgtEl>
-                                        <p:attrNameLst>
-                                          <p:attrName>style.visibility</p:attrName>
-                                        </p:attrNameLst>
-                                      </p:cBhvr>
-                                      <p:to>
-                                        <p:strVal val="visible"/>
-                                      </p:to>
-                                    </p:set>
-                                  </p:childTnLst>
-                                </p:cTn>
-                              </p:par>
-                            </p:childTnLst>
-                          </p:cTn>
-                        </p:par>
-                      </p:childTnLst>
-                    </p:cTn>
-                  </p:par>
-                  <p:par>
-                    <p:cTn id="11" fill="hold">
-                      <p:stCondLst>
-                        <p:cond delay="indefinite"/>
-                      </p:stCondLst>
-                      <p:childTnLst>
-                        <p:par>
-                          <p:cTn id="12" fill="hold">
-                            <p:stCondLst>
-                              <p:cond delay="0"/>
-                            </p:stCondLst>
-                            <p:childTnLst>
-                              <p:par>
-                                <p:cTn id="13" presetID="1" presetClass="entr" presetSubtype="0" fill="hold" grpId="0" nodeType="clickEffect">
-                                  <p:stCondLst>
-                                    <p:cond delay="0"/>
-                                  </p:stCondLst>
-                                  <p:childTnLst>
-                                    <p:set>
-                                      <p:cBhvr>
-                                        <p:cTn id="14" dur="1" fill="hold">
-                                          <p:stCondLst>
-                                            <p:cond delay="0"/>
-                                          </p:stCondLst>
-                                        </p:cTn>
-                                        <p:tgtEl>
-                                          <p:spTgt spid="3">
-                                            <p:txEl>
-                                              <p:pRg st="2" end="2"/>
-                                            </p:txEl>
-                                          </p:spTgt>
-                                        </p:tgtEl>
-                                        <p:attrNameLst>
-                                          <p:attrName>style.visibility</p:attrName>
-                                        </p:attrNameLst>
-                                      </p:cBhvr>
-                                      <p:to>
-                                        <p:strVal val="visible"/>
-                                      </p:to>
-                                    </p:set>
-                                  </p:childTnLst>
-                                </p:cTn>
-                              </p:par>
-                            </p:childTnLst>
-                          </p:cTn>
-                        </p:par>
-                      </p:childTnLst>
-                    </p:cTn>
-                  </p:par>
-                  <p:par>
-                    <p:cTn id="15" fill="hold">
-                      <p:stCondLst>
-                        <p:cond delay="indefinite"/>
-                      </p:stCondLst>
-                      <p:childTnLst>
-                        <p:par>
-                          <p:cTn id="16" fill="hold">
-                            <p:stCondLst>
-                              <p:cond delay="0"/>
-                            </p:stCondLst>
-                            <p:childTnLst>
-                              <p:par>
-                                <p:cTn id="17" presetID="1" presetClass="entr" presetSubtype="0" fill="hold" grpId="0" nodeType="clickEffect">
-                                  <p:stCondLst>
-                                    <p:cond delay="0"/>
-                                  </p:stCondLst>
-                                  <p:childTnLst>
-                                    <p:set>
-                                      <p:cBhvr>
-                                        <p:cTn id="18" dur="1" fill="hold">
-                                          <p:stCondLst>
-                                            <p:cond delay="0"/>
-                                          </p:stCondLst>
-                                        </p:cTn>
-                                        <p:tgtEl>
-                                          <p:spTgt spid="3">
-                                            <p:txEl>
-                                              <p:pRg st="3" end="3"/>
-                                            </p:txEl>
-                                          </p:spTgt>
-                                        </p:tgtEl>
-                                        <p:attrNameLst>
-                                          <p:attrName>style.visibility</p:attrName>
-                                        </p:attrNameLst>
-                                      </p:cBhvr>
-                                      <p:to>
-                                        <p:strVal val="visible"/>
-                                      </p:to>
-                                    </p:set>
-                                  </p:childTnLst>
-                                </p:cTn>
-                              </p:par>
-                            </p:childTnLst>
-                          </p:cTn>
-                        </p:par>
-                        <p:par>
-                          <p:cTn id="19" fill="hold">
-                            <p:stCondLst>
-                              <p:cond delay="0"/>
-                            </p:stCondLst>
-                            <p:childTnLst>
-                              <p:par>
-                                <p:cTn id="20" presetID="1" presetClass="entr" presetSubtype="0" fill="hold" grpId="0" nodeType="afterEffect">
-                                  <p:stCondLst>
-                                    <p:cond delay="0"/>
-                                  </p:stCondLst>
-                                  <p:childTnLst>
-                                    <p:set>
-                                      <p:cBhvr>
-                                        <p:cTn id="21" dur="1" fill="hold">
-                                          <p:stCondLst>
-                                            <p:cond delay="0"/>
-                                          </p:stCondLst>
-                                        </p:cTn>
-                                        <p:tgtEl>
-                                          <p:spTgt spid="4"/>
-                                        </p:tgtEl>
-                                        <p:attrNameLst>
-                                          <p:attrName>style.visibility</p:attrName>
-                                        </p:attrNameLst>
-                                      </p:cBhvr>
-                                      <p:to>
-                                        <p:strVal val="visible"/>
-                                      </p:to>
-                                    </p:set>
-                                  </p:childTnLst>
-                                </p:cTn>
-                              </p:par>
-                            </p:childTnLst>
-                          </p:cTn>
-                        </p:par>
-                      </p:childTnLst>
-                    </p:cTn>
-                  </p:par>
-                </p:childTnLst>
-              </p:cTn>
-              <p:prevCondLst>
-                <p:cond evt="onPrev" delay="0">
-                  <p:tgtEl>
-                    <p:sldTgt/>
-                  </p:tgtEl>
-                </p:cond>
-              </p:prevCondLst>
-              <p:nextCondLst>
-                <p:cond evt="onNext" delay="0">
-                  <p:tgtEl>
-                    <p:sldTgt/>
-                  </p:tgtEl>
-                </p:cond>
-              </p:nextCondLst>
-            </p:seq>
-          </p:childTnLst>
-        </p:cTn>
-      </p:par>
-    </p:tnLst>
-    <p:bldLst>
-      <p:bldP spid="3" grpId="0" uiExpand="1" build="p"/>
-      <p:bldP spid="4" grpId="0" animBg="1"/>
-    </p:bldLst>
-  </p:timing>
-</p:sld>
-</file>
-
-<file path=ppt/slides/slide30.xml><?xml version="1.0" encoding="utf-8"?>
+<file path=ppt/slides/slide33.xml><?xml version="1.0" encoding="utf-8"?>
 <p:sld xmlns:a="http://schemas.openxmlformats.org/drawingml/2006/main" xmlns:r="http://schemas.openxmlformats.org/officeDocument/2006/relationships" xmlns:p="http://schemas.openxmlformats.org/presentationml/2006/main">
   <p:cSld>
     <p:spTree>
@@ -22093,7 +24130,7 @@
 </p:sld>
 </file>
 
-<file path=ppt/slides/slide31.xml><?xml version="1.0" encoding="utf-8"?>
+<file path=ppt/slides/slide34.xml><?xml version="1.0" encoding="utf-8"?>
 <p:sld xmlns:a="http://schemas.openxmlformats.org/drawingml/2006/main" xmlns:r="http://schemas.openxmlformats.org/officeDocument/2006/relationships" xmlns:p="http://schemas.openxmlformats.org/presentationml/2006/main">
   <p:cSld>
     <p:spTree>
@@ -22188,7 +24225,7 @@
 </p:sld>
 </file>
 
-<file path=ppt/slides/slide32.xml><?xml version="1.0" encoding="utf-8"?>
+<file path=ppt/slides/slide35.xml><?xml version="1.0" encoding="utf-8"?>
 <p:sld xmlns:a="http://schemas.openxmlformats.org/drawingml/2006/main" xmlns:r="http://schemas.openxmlformats.org/officeDocument/2006/relationships" xmlns:p="http://schemas.openxmlformats.org/presentationml/2006/main">
   <p:cSld>
     <p:spTree>
@@ -23469,7 +25506,7 @@
 </p:sld>
 </file>
 
-<file path=ppt/slides/slide33.xml><?xml version="1.0" encoding="utf-8"?>
+<file path=ppt/slides/slide36.xml><?xml version="1.0" encoding="utf-8"?>
 <p:sld xmlns:a="http://schemas.openxmlformats.org/drawingml/2006/main" xmlns:r="http://schemas.openxmlformats.org/officeDocument/2006/relationships" xmlns:p="http://schemas.openxmlformats.org/presentationml/2006/main">
   <p:cSld>
     <p:spTree>
@@ -23725,7 +25762,7 @@
 </p:sld>
 </file>
 
-<file path=ppt/slides/slide34.xml><?xml version="1.0" encoding="utf-8"?>
+<file path=ppt/slides/slide37.xml><?xml version="1.0" encoding="utf-8"?>
 <p:sld xmlns:a="http://schemas.openxmlformats.org/drawingml/2006/main" xmlns:r="http://schemas.openxmlformats.org/officeDocument/2006/relationships" xmlns:p="http://schemas.openxmlformats.org/presentationml/2006/main">
   <p:cSld>
     <p:spTree>
@@ -24155,7 +26192,7 @@
 </p:sld>
 </file>
 
-<file path=ppt/slides/slide35.xml><?xml version="1.0" encoding="utf-8"?>
+<file path=ppt/slides/slide38.xml><?xml version="1.0" encoding="utf-8"?>
 <p:sld xmlns:a="http://schemas.openxmlformats.org/drawingml/2006/main" xmlns:r="http://schemas.openxmlformats.org/officeDocument/2006/relationships" xmlns:p="http://schemas.openxmlformats.org/presentationml/2006/main">
   <p:cSld>
     <p:spTree>
@@ -24250,7 +26287,7 @@
 </p:sld>
 </file>
 
-<file path=ppt/slides/slide36.xml><?xml version="1.0" encoding="utf-8"?>
+<file path=ppt/slides/slide39.xml><?xml version="1.0" encoding="utf-8"?>
 <p:sld xmlns:a="http://schemas.openxmlformats.org/drawingml/2006/main" xmlns:r="http://schemas.openxmlformats.org/officeDocument/2006/relationships" xmlns:p="http://schemas.openxmlformats.org/presentationml/2006/main">
   <p:cSld>
     <p:spTree>
@@ -24938,7 +26975,444 @@
 </p:sld>
 </file>
 
-<file path=ppt/slides/slide37.xml><?xml version="1.0" encoding="utf-8"?>
+<file path=ppt/slides/slide4.xml><?xml version="1.0" encoding="utf-8"?>
+<p:sld xmlns:a="http://schemas.openxmlformats.org/drawingml/2006/main" xmlns:r="http://schemas.openxmlformats.org/officeDocument/2006/relationships" xmlns:p="http://schemas.openxmlformats.org/presentationml/2006/main">
+  <p:cSld>
+    <p:spTree>
+      <p:nvGrpSpPr>
+        <p:cNvPr id="1" name=""/>
+        <p:cNvGrpSpPr/>
+        <p:nvPr/>
+      </p:nvGrpSpPr>
+      <p:grpSpPr>
+        <a:xfrm>
+          <a:off x="0" y="0"/>
+          <a:ext cx="0" cy="0"/>
+          <a:chOff x="0" y="0"/>
+          <a:chExt cx="0" cy="0"/>
+        </a:xfrm>
+      </p:grpSpPr>
+      <p:sp>
+        <p:nvSpPr>
+          <p:cNvPr id="2" name="Titre 1">
+            <a:extLst>
+              <a:ext uri="{FF2B5EF4-FFF2-40B4-BE49-F238E27FC236}">
+                <a16:creationId xmlns:a16="http://schemas.microsoft.com/office/drawing/2014/main" id="{84AABC20-5132-4586-8B82-189825693BC6}"/>
+              </a:ext>
+            </a:extLst>
+          </p:cNvPr>
+          <p:cNvSpPr>
+            <a:spLocks noGrp="1"/>
+          </p:cNvSpPr>
+          <p:nvPr>
+            <p:ph type="title"/>
+          </p:nvPr>
+        </p:nvSpPr>
+        <p:spPr/>
+        <p:txBody>
+          <a:bodyPr/>
+          <a:lstStyle/>
+          <a:p>
+            <a:r>
+              <a:rPr lang="fr-FR" dirty="0"/>
+              <a:t>Introduction de la problématique</a:t>
+            </a:r>
+          </a:p>
+        </p:txBody>
+      </p:sp>
+      <p:sp>
+        <p:nvSpPr>
+          <p:cNvPr id="3" name="Espace réservé du contenu 2">
+            <a:extLst>
+              <a:ext uri="{FF2B5EF4-FFF2-40B4-BE49-F238E27FC236}">
+                <a16:creationId xmlns:a16="http://schemas.microsoft.com/office/drawing/2014/main" id="{E7A94BB3-7E08-42A3-BA21-56BAB1611BB4}"/>
+              </a:ext>
+            </a:extLst>
+          </p:cNvPr>
+          <p:cNvSpPr>
+            <a:spLocks noGrp="1"/>
+          </p:cNvSpPr>
+          <p:nvPr>
+            <p:ph idx="1"/>
+          </p:nvPr>
+        </p:nvSpPr>
+        <p:spPr/>
+        <p:txBody>
+          <a:bodyPr>
+            <a:normAutofit/>
+          </a:bodyPr>
+          <a:lstStyle/>
+          <a:p>
+            <a:pPr algn="just"/>
+            <a:r>
+              <a:rPr lang="fr-FR" dirty="0"/>
+              <a:t>J’ai décidé de reprendre un projet personnel, celui qui m’a amené à la data science. </a:t>
+            </a:r>
+          </a:p>
+          <a:p>
+            <a:pPr lvl="1" algn="just"/>
+            <a:r>
+              <a:rPr lang="fr-FR" dirty="0"/>
+              <a:t>Les paris sportifs.</a:t>
+            </a:r>
+          </a:p>
+          <a:p>
+            <a:pPr algn="just"/>
+            <a:endParaRPr lang="fr-FR" dirty="0"/>
+          </a:p>
+          <a:p>
+            <a:pPr algn="just"/>
+            <a:r>
+              <a:rPr lang="fr-FR" dirty="0"/>
+              <a:t>Créer une méthode qui me permettra de parier plus efficacement sur n’importe quel match de football. </a:t>
+            </a:r>
+          </a:p>
+          <a:p>
+            <a:pPr algn="just"/>
+            <a:r>
+              <a:rPr lang="fr-FR" dirty="0"/>
+              <a:t>Je vais m’appuyer sur les 15 dernières années de résultats pour entraîner des algorithmes de classification.</a:t>
+            </a:r>
+          </a:p>
+        </p:txBody>
+      </p:sp>
+      <p:sp>
+        <p:nvSpPr>
+          <p:cNvPr id="4" name="Flèche droite 4">
+            <a:extLst>
+              <a:ext uri="{FF2B5EF4-FFF2-40B4-BE49-F238E27FC236}">
+                <a16:creationId xmlns:a16="http://schemas.microsoft.com/office/drawing/2014/main" id="{91F4C41E-3933-4D83-BD43-F3AF42B8719C}"/>
+              </a:ext>
+            </a:extLst>
+          </p:cNvPr>
+          <p:cNvSpPr/>
+          <p:nvPr/>
+        </p:nvSpPr>
+        <p:spPr>
+          <a:xfrm>
+            <a:off x="11736625" y="6488757"/>
+            <a:ext cx="432048" cy="360040"/>
+          </a:xfrm>
+          <a:prstGeom prst="rightArrow">
+            <a:avLst/>
+          </a:prstGeom>
+          <a:ln/>
+        </p:spPr>
+        <p:style>
+          <a:lnRef idx="0">
+            <a:schemeClr val="dk1"/>
+          </a:lnRef>
+          <a:fillRef idx="3">
+            <a:schemeClr val="dk1"/>
+          </a:fillRef>
+          <a:effectRef idx="3">
+            <a:schemeClr val="dk1"/>
+          </a:effectRef>
+          <a:fontRef idx="minor">
+            <a:schemeClr val="lt1"/>
+          </a:fontRef>
+        </p:style>
+        <p:txBody>
+          <a:bodyPr rtlCol="0" anchor="ctr"/>
+          <a:lstStyle/>
+          <a:p>
+            <a:pPr algn="ctr"/>
+            <a:endParaRPr lang="fr-FR"/>
+          </a:p>
+        </p:txBody>
+      </p:sp>
+    </p:spTree>
+    <p:extLst>
+      <p:ext uri="{BB962C8B-B14F-4D97-AF65-F5344CB8AC3E}">
+        <p14:creationId xmlns:p14="http://schemas.microsoft.com/office/powerpoint/2010/main" val="271414282"/>
+      </p:ext>
+    </p:extLst>
+  </p:cSld>
+  <p:clrMapOvr>
+    <a:masterClrMapping/>
+  </p:clrMapOvr>
+  <mc:AlternateContent xmlns:mc="http://schemas.openxmlformats.org/markup-compatibility/2006" xmlns:p14="http://schemas.microsoft.com/office/powerpoint/2010/main">
+    <mc:Choice Requires="p14">
+      <p:transition spd="med" p14:dur="700">
+        <p:fade/>
+      </p:transition>
+    </mc:Choice>
+    <mc:Fallback xmlns="">
+      <p:transition spd="med">
+        <p:fade/>
+      </p:transition>
+    </mc:Fallback>
+  </mc:AlternateContent>
+  <p:timing>
+    <p:tnLst>
+      <p:par>
+        <p:cTn id="1" dur="indefinite" restart="never" nodeType="tmRoot">
+          <p:childTnLst>
+            <p:seq concurrent="1" nextAc="seek">
+              <p:cTn id="2" dur="indefinite" nodeType="mainSeq">
+                <p:childTnLst>
+                  <p:par>
+                    <p:cTn id="3" fill="hold">
+                      <p:stCondLst>
+                        <p:cond delay="indefinite"/>
+                      </p:stCondLst>
+                      <p:childTnLst>
+                        <p:par>
+                          <p:cTn id="4" fill="hold">
+                            <p:stCondLst>
+                              <p:cond delay="0"/>
+                            </p:stCondLst>
+                            <p:childTnLst>
+                              <p:par>
+                                <p:cTn id="5" presetID="1" presetClass="entr" presetSubtype="0" fill="hold" grpId="0" nodeType="clickEffect">
+                                  <p:stCondLst>
+                                    <p:cond delay="0"/>
+                                  </p:stCondLst>
+                                  <p:childTnLst>
+                                    <p:set>
+                                      <p:cBhvr>
+                                        <p:cTn id="6" dur="1" fill="hold">
+                                          <p:stCondLst>
+                                            <p:cond delay="0"/>
+                                          </p:stCondLst>
+                                        </p:cTn>
+                                        <p:tgtEl>
+                                          <p:spTgt spid="3">
+                                            <p:txEl>
+                                              <p:pRg st="0" end="0"/>
+                                            </p:txEl>
+                                          </p:spTgt>
+                                        </p:tgtEl>
+                                        <p:attrNameLst>
+                                          <p:attrName>style.visibility</p:attrName>
+                                        </p:attrNameLst>
+                                      </p:cBhvr>
+                                      <p:to>
+                                        <p:strVal val="visible"/>
+                                      </p:to>
+                                    </p:set>
+                                  </p:childTnLst>
+                                </p:cTn>
+                              </p:par>
+                            </p:childTnLst>
+                          </p:cTn>
+                        </p:par>
+                      </p:childTnLst>
+                    </p:cTn>
+                  </p:par>
+                  <p:par>
+                    <p:cTn id="7" fill="hold">
+                      <p:stCondLst>
+                        <p:cond delay="indefinite"/>
+                      </p:stCondLst>
+                      <p:childTnLst>
+                        <p:par>
+                          <p:cTn id="8" fill="hold">
+                            <p:stCondLst>
+                              <p:cond delay="0"/>
+                            </p:stCondLst>
+                            <p:childTnLst>
+                              <p:par>
+                                <p:cTn id="9" presetID="1" presetClass="entr" presetSubtype="0" fill="hold" grpId="0" nodeType="clickEffect">
+                                  <p:stCondLst>
+                                    <p:cond delay="0"/>
+                                  </p:stCondLst>
+                                  <p:childTnLst>
+                                    <p:set>
+                                      <p:cBhvr>
+                                        <p:cTn id="10" dur="1" fill="hold">
+                                          <p:stCondLst>
+                                            <p:cond delay="0"/>
+                                          </p:stCondLst>
+                                        </p:cTn>
+                                        <p:tgtEl>
+                                          <p:spTgt spid="3">
+                                            <p:txEl>
+                                              <p:pRg st="1" end="1"/>
+                                            </p:txEl>
+                                          </p:spTgt>
+                                        </p:tgtEl>
+                                        <p:attrNameLst>
+                                          <p:attrName>style.visibility</p:attrName>
+                                        </p:attrNameLst>
+                                      </p:cBhvr>
+                                      <p:to>
+                                        <p:strVal val="visible"/>
+                                      </p:to>
+                                    </p:set>
+                                  </p:childTnLst>
+                                </p:cTn>
+                              </p:par>
+                            </p:childTnLst>
+                          </p:cTn>
+                        </p:par>
+                      </p:childTnLst>
+                    </p:cTn>
+                  </p:par>
+                  <p:par>
+                    <p:cTn id="11" fill="hold">
+                      <p:stCondLst>
+                        <p:cond delay="indefinite"/>
+                      </p:stCondLst>
+                      <p:childTnLst>
+                        <p:par>
+                          <p:cTn id="12" fill="hold">
+                            <p:stCondLst>
+                              <p:cond delay="0"/>
+                            </p:stCondLst>
+                            <p:childTnLst>
+                              <p:par>
+                                <p:cTn id="13" presetID="1" presetClass="entr" presetSubtype="0" fill="hold" grpId="0" nodeType="clickEffect">
+                                  <p:stCondLst>
+                                    <p:cond delay="0"/>
+                                  </p:stCondLst>
+                                  <p:childTnLst>
+                                    <p:set>
+                                      <p:cBhvr>
+                                        <p:cTn id="14" dur="1" fill="hold">
+                                          <p:stCondLst>
+                                            <p:cond delay="0"/>
+                                          </p:stCondLst>
+                                        </p:cTn>
+                                        <p:tgtEl>
+                                          <p:spTgt spid="3">
+                                            <p:txEl>
+                                              <p:pRg st="3" end="3"/>
+                                            </p:txEl>
+                                          </p:spTgt>
+                                        </p:tgtEl>
+                                        <p:attrNameLst>
+                                          <p:attrName>style.visibility</p:attrName>
+                                        </p:attrNameLst>
+                                      </p:cBhvr>
+                                      <p:to>
+                                        <p:strVal val="visible"/>
+                                      </p:to>
+                                    </p:set>
+                                  </p:childTnLst>
+                                </p:cTn>
+                              </p:par>
+                            </p:childTnLst>
+                          </p:cTn>
+                        </p:par>
+                      </p:childTnLst>
+                    </p:cTn>
+                  </p:par>
+                  <p:par>
+                    <p:cTn id="15" fill="hold">
+                      <p:stCondLst>
+                        <p:cond delay="indefinite"/>
+                      </p:stCondLst>
+                      <p:childTnLst>
+                        <p:par>
+                          <p:cTn id="16" fill="hold">
+                            <p:stCondLst>
+                              <p:cond delay="0"/>
+                            </p:stCondLst>
+                            <p:childTnLst>
+                              <p:par>
+                                <p:cTn id="17" presetID="1" presetClass="entr" presetSubtype="0" fill="hold" grpId="0" nodeType="clickEffect">
+                                  <p:stCondLst>
+                                    <p:cond delay="0"/>
+                                  </p:stCondLst>
+                                  <p:childTnLst>
+                                    <p:set>
+                                      <p:cBhvr>
+                                        <p:cTn id="18" dur="1" fill="hold">
+                                          <p:stCondLst>
+                                            <p:cond delay="0"/>
+                                          </p:stCondLst>
+                                        </p:cTn>
+                                        <p:tgtEl>
+                                          <p:spTgt spid="3">
+                                            <p:txEl>
+                                              <p:pRg st="4" end="4"/>
+                                            </p:txEl>
+                                          </p:spTgt>
+                                        </p:tgtEl>
+                                        <p:attrNameLst>
+                                          <p:attrName>style.visibility</p:attrName>
+                                        </p:attrNameLst>
+                                      </p:cBhvr>
+                                      <p:to>
+                                        <p:strVal val="visible"/>
+                                      </p:to>
+                                    </p:set>
+                                  </p:childTnLst>
+                                </p:cTn>
+                              </p:par>
+                            </p:childTnLst>
+                          </p:cTn>
+                        </p:par>
+                        <p:par>
+                          <p:cTn id="19" fill="hold">
+                            <p:stCondLst>
+                              <p:cond delay="0"/>
+                            </p:stCondLst>
+                            <p:childTnLst>
+                              <p:par>
+                                <p:cTn id="20" presetID="1" presetClass="entr" presetSubtype="0" fill="hold" grpId="0" nodeType="afterEffect">
+                                  <p:stCondLst>
+                                    <p:cond delay="0"/>
+                                  </p:stCondLst>
+                                  <p:childTnLst>
+                                    <p:set>
+                                      <p:cBhvr>
+                                        <p:cTn id="21" dur="1" fill="hold">
+                                          <p:stCondLst>
+                                            <p:cond delay="0"/>
+                                          </p:stCondLst>
+                                        </p:cTn>
+                                        <p:tgtEl>
+                                          <p:spTgt spid="4"/>
+                                        </p:tgtEl>
+                                        <p:attrNameLst>
+                                          <p:attrName>style.visibility</p:attrName>
+                                        </p:attrNameLst>
+                                      </p:cBhvr>
+                                      <p:to>
+                                        <p:strVal val="visible"/>
+                                      </p:to>
+                                    </p:set>
+                                  </p:childTnLst>
+                                </p:cTn>
+                              </p:par>
+                            </p:childTnLst>
+                          </p:cTn>
+                        </p:par>
+                      </p:childTnLst>
+                    </p:cTn>
+                  </p:par>
+                </p:childTnLst>
+              </p:cTn>
+              <p:prevCondLst>
+                <p:cond evt="onPrev" delay="0">
+                  <p:tgtEl>
+                    <p:sldTgt/>
+                  </p:tgtEl>
+                </p:cond>
+              </p:prevCondLst>
+              <p:nextCondLst>
+                <p:cond evt="onNext" delay="0">
+                  <p:tgtEl>
+                    <p:sldTgt/>
+                  </p:tgtEl>
+                </p:cond>
+              </p:nextCondLst>
+            </p:seq>
+          </p:childTnLst>
+        </p:cTn>
+      </p:par>
+    </p:tnLst>
+    <p:bldLst>
+      <p:bldP spid="3" grpId="0" uiExpand="1" build="p"/>
+      <p:bldP spid="4" grpId="0" animBg="1"/>
+    </p:bldLst>
+  </p:timing>
+</p:sld>
+</file>
+
+<file path=ppt/slides/slide40.xml><?xml version="1.0" encoding="utf-8"?>
 <p:sld xmlns:a="http://schemas.openxmlformats.org/drawingml/2006/main" xmlns:r="http://schemas.openxmlformats.org/officeDocument/2006/relationships" xmlns:p="http://schemas.openxmlformats.org/presentationml/2006/main">
   <p:cSld>
     <p:spTree>
@@ -25041,14 +27515,14 @@
             <a:pPr lvl="1"/>
             <a:r>
               <a:rPr lang="fr-FR" dirty="0"/>
-              <a:t>Matchs sans favoris (aucun côte &lt; 2,2).</a:t>
+              <a:t>Matchs sans favoris (aucun Cote &lt; 2,2).</a:t>
             </a:r>
           </a:p>
           <a:p>
             <a:pPr lvl="1"/>
             <a:r>
               <a:rPr lang="fr-FR" dirty="0"/>
-              <a:t>Matchs avec un très large favori (côte de victoire &lt; 1,5).</a:t>
+              <a:t>Matchs avec un très large favori (Cote de victoire &lt; 1,5).</a:t>
             </a:r>
           </a:p>
           <a:p>
@@ -25480,7 +27954,7 @@
 </p:sld>
 </file>
 
-<file path=ppt/slides/slide38.xml><?xml version="1.0" encoding="utf-8"?>
+<file path=ppt/slides/slide41.xml><?xml version="1.0" encoding="utf-8"?>
 <p:sld xmlns:a="http://schemas.openxmlformats.org/drawingml/2006/main" xmlns:r="http://schemas.openxmlformats.org/officeDocument/2006/relationships" xmlns:p="http://schemas.openxmlformats.org/presentationml/2006/main">
   <p:cSld>
     <p:spTree>
@@ -25572,443 +28046,6 @@
       </p:transition>
     </mc:Fallback>
   </mc:AlternateContent>
-</p:sld>
-</file>
-
-<file path=ppt/slides/slide4.xml><?xml version="1.0" encoding="utf-8"?>
-<p:sld xmlns:a="http://schemas.openxmlformats.org/drawingml/2006/main" xmlns:r="http://schemas.openxmlformats.org/officeDocument/2006/relationships" xmlns:p="http://schemas.openxmlformats.org/presentationml/2006/main">
-  <p:cSld>
-    <p:spTree>
-      <p:nvGrpSpPr>
-        <p:cNvPr id="1" name=""/>
-        <p:cNvGrpSpPr/>
-        <p:nvPr/>
-      </p:nvGrpSpPr>
-      <p:grpSpPr>
-        <a:xfrm>
-          <a:off x="0" y="0"/>
-          <a:ext cx="0" cy="0"/>
-          <a:chOff x="0" y="0"/>
-          <a:chExt cx="0" cy="0"/>
-        </a:xfrm>
-      </p:grpSpPr>
-      <p:sp>
-        <p:nvSpPr>
-          <p:cNvPr id="2" name="Titre 1">
-            <a:extLst>
-              <a:ext uri="{FF2B5EF4-FFF2-40B4-BE49-F238E27FC236}">
-                <a16:creationId xmlns:a16="http://schemas.microsoft.com/office/drawing/2014/main" id="{84AABC20-5132-4586-8B82-189825693BC6}"/>
-              </a:ext>
-            </a:extLst>
-          </p:cNvPr>
-          <p:cNvSpPr>
-            <a:spLocks noGrp="1"/>
-          </p:cNvSpPr>
-          <p:nvPr>
-            <p:ph type="title"/>
-          </p:nvPr>
-        </p:nvSpPr>
-        <p:spPr/>
-        <p:txBody>
-          <a:bodyPr/>
-          <a:lstStyle/>
-          <a:p>
-            <a:r>
-              <a:rPr lang="fr-FR" dirty="0"/>
-              <a:t>Introduction de la problématique</a:t>
-            </a:r>
-          </a:p>
-        </p:txBody>
-      </p:sp>
-      <p:sp>
-        <p:nvSpPr>
-          <p:cNvPr id="3" name="Espace réservé du contenu 2">
-            <a:extLst>
-              <a:ext uri="{FF2B5EF4-FFF2-40B4-BE49-F238E27FC236}">
-                <a16:creationId xmlns:a16="http://schemas.microsoft.com/office/drawing/2014/main" id="{E7A94BB3-7E08-42A3-BA21-56BAB1611BB4}"/>
-              </a:ext>
-            </a:extLst>
-          </p:cNvPr>
-          <p:cNvSpPr>
-            <a:spLocks noGrp="1"/>
-          </p:cNvSpPr>
-          <p:nvPr>
-            <p:ph idx="1"/>
-          </p:nvPr>
-        </p:nvSpPr>
-        <p:spPr/>
-        <p:txBody>
-          <a:bodyPr>
-            <a:normAutofit/>
-          </a:bodyPr>
-          <a:lstStyle/>
-          <a:p>
-            <a:pPr algn="just"/>
-            <a:r>
-              <a:rPr lang="fr-FR" dirty="0"/>
-              <a:t>J’ai décidé de reprendre un projet personnel, celui qui m’a amené à la data science. </a:t>
-            </a:r>
-          </a:p>
-          <a:p>
-            <a:pPr lvl="1" algn="just"/>
-            <a:r>
-              <a:rPr lang="fr-FR" dirty="0"/>
-              <a:t>Les paris sportifs.</a:t>
-            </a:r>
-          </a:p>
-          <a:p>
-            <a:pPr algn="just"/>
-            <a:endParaRPr lang="fr-FR" dirty="0"/>
-          </a:p>
-          <a:p>
-            <a:pPr algn="just"/>
-            <a:r>
-              <a:rPr lang="fr-FR" dirty="0"/>
-              <a:t>Créer une méthode qui me permettra de parier plus efficacement sur n’importe quel match de football. </a:t>
-            </a:r>
-          </a:p>
-          <a:p>
-            <a:pPr algn="just"/>
-            <a:r>
-              <a:rPr lang="fr-FR" dirty="0"/>
-              <a:t>Je vais m’appuyer sur les 15 dernières années de résultats pour entraîner des algorithmes de classification.</a:t>
-            </a:r>
-          </a:p>
-        </p:txBody>
-      </p:sp>
-      <p:sp>
-        <p:nvSpPr>
-          <p:cNvPr id="4" name="Flèche droite 4">
-            <a:extLst>
-              <a:ext uri="{FF2B5EF4-FFF2-40B4-BE49-F238E27FC236}">
-                <a16:creationId xmlns:a16="http://schemas.microsoft.com/office/drawing/2014/main" id="{91F4C41E-3933-4D83-BD43-F3AF42B8719C}"/>
-              </a:ext>
-            </a:extLst>
-          </p:cNvPr>
-          <p:cNvSpPr/>
-          <p:nvPr/>
-        </p:nvSpPr>
-        <p:spPr>
-          <a:xfrm>
-            <a:off x="11736625" y="6488757"/>
-            <a:ext cx="432048" cy="360040"/>
-          </a:xfrm>
-          <a:prstGeom prst="rightArrow">
-            <a:avLst/>
-          </a:prstGeom>
-          <a:ln/>
-        </p:spPr>
-        <p:style>
-          <a:lnRef idx="0">
-            <a:schemeClr val="dk1"/>
-          </a:lnRef>
-          <a:fillRef idx="3">
-            <a:schemeClr val="dk1"/>
-          </a:fillRef>
-          <a:effectRef idx="3">
-            <a:schemeClr val="dk1"/>
-          </a:effectRef>
-          <a:fontRef idx="minor">
-            <a:schemeClr val="lt1"/>
-          </a:fontRef>
-        </p:style>
-        <p:txBody>
-          <a:bodyPr rtlCol="0" anchor="ctr"/>
-          <a:lstStyle/>
-          <a:p>
-            <a:pPr algn="ctr"/>
-            <a:endParaRPr lang="fr-FR"/>
-          </a:p>
-        </p:txBody>
-      </p:sp>
-    </p:spTree>
-    <p:extLst>
-      <p:ext uri="{BB962C8B-B14F-4D97-AF65-F5344CB8AC3E}">
-        <p14:creationId xmlns:p14="http://schemas.microsoft.com/office/powerpoint/2010/main" val="271414282"/>
-      </p:ext>
-    </p:extLst>
-  </p:cSld>
-  <p:clrMapOvr>
-    <a:masterClrMapping/>
-  </p:clrMapOvr>
-  <mc:AlternateContent xmlns:mc="http://schemas.openxmlformats.org/markup-compatibility/2006" xmlns:p14="http://schemas.microsoft.com/office/powerpoint/2010/main">
-    <mc:Choice Requires="p14">
-      <p:transition spd="med" p14:dur="700">
-        <p:fade/>
-      </p:transition>
-    </mc:Choice>
-    <mc:Fallback xmlns="">
-      <p:transition spd="med">
-        <p:fade/>
-      </p:transition>
-    </mc:Fallback>
-  </mc:AlternateContent>
-  <p:timing>
-    <p:tnLst>
-      <p:par>
-        <p:cTn id="1" dur="indefinite" restart="never" nodeType="tmRoot">
-          <p:childTnLst>
-            <p:seq concurrent="1" nextAc="seek">
-              <p:cTn id="2" dur="indefinite" nodeType="mainSeq">
-                <p:childTnLst>
-                  <p:par>
-                    <p:cTn id="3" fill="hold">
-                      <p:stCondLst>
-                        <p:cond delay="indefinite"/>
-                      </p:stCondLst>
-                      <p:childTnLst>
-                        <p:par>
-                          <p:cTn id="4" fill="hold">
-                            <p:stCondLst>
-                              <p:cond delay="0"/>
-                            </p:stCondLst>
-                            <p:childTnLst>
-                              <p:par>
-                                <p:cTn id="5" presetID="1" presetClass="entr" presetSubtype="0" fill="hold" grpId="0" nodeType="clickEffect">
-                                  <p:stCondLst>
-                                    <p:cond delay="0"/>
-                                  </p:stCondLst>
-                                  <p:childTnLst>
-                                    <p:set>
-                                      <p:cBhvr>
-                                        <p:cTn id="6" dur="1" fill="hold">
-                                          <p:stCondLst>
-                                            <p:cond delay="0"/>
-                                          </p:stCondLst>
-                                        </p:cTn>
-                                        <p:tgtEl>
-                                          <p:spTgt spid="3">
-                                            <p:txEl>
-                                              <p:pRg st="0" end="0"/>
-                                            </p:txEl>
-                                          </p:spTgt>
-                                        </p:tgtEl>
-                                        <p:attrNameLst>
-                                          <p:attrName>style.visibility</p:attrName>
-                                        </p:attrNameLst>
-                                      </p:cBhvr>
-                                      <p:to>
-                                        <p:strVal val="visible"/>
-                                      </p:to>
-                                    </p:set>
-                                  </p:childTnLst>
-                                </p:cTn>
-                              </p:par>
-                            </p:childTnLst>
-                          </p:cTn>
-                        </p:par>
-                      </p:childTnLst>
-                    </p:cTn>
-                  </p:par>
-                  <p:par>
-                    <p:cTn id="7" fill="hold">
-                      <p:stCondLst>
-                        <p:cond delay="indefinite"/>
-                      </p:stCondLst>
-                      <p:childTnLst>
-                        <p:par>
-                          <p:cTn id="8" fill="hold">
-                            <p:stCondLst>
-                              <p:cond delay="0"/>
-                            </p:stCondLst>
-                            <p:childTnLst>
-                              <p:par>
-                                <p:cTn id="9" presetID="1" presetClass="entr" presetSubtype="0" fill="hold" grpId="0" nodeType="clickEffect">
-                                  <p:stCondLst>
-                                    <p:cond delay="0"/>
-                                  </p:stCondLst>
-                                  <p:childTnLst>
-                                    <p:set>
-                                      <p:cBhvr>
-                                        <p:cTn id="10" dur="1" fill="hold">
-                                          <p:stCondLst>
-                                            <p:cond delay="0"/>
-                                          </p:stCondLst>
-                                        </p:cTn>
-                                        <p:tgtEl>
-                                          <p:spTgt spid="3">
-                                            <p:txEl>
-                                              <p:pRg st="1" end="1"/>
-                                            </p:txEl>
-                                          </p:spTgt>
-                                        </p:tgtEl>
-                                        <p:attrNameLst>
-                                          <p:attrName>style.visibility</p:attrName>
-                                        </p:attrNameLst>
-                                      </p:cBhvr>
-                                      <p:to>
-                                        <p:strVal val="visible"/>
-                                      </p:to>
-                                    </p:set>
-                                  </p:childTnLst>
-                                </p:cTn>
-                              </p:par>
-                            </p:childTnLst>
-                          </p:cTn>
-                        </p:par>
-                      </p:childTnLst>
-                    </p:cTn>
-                  </p:par>
-                  <p:par>
-                    <p:cTn id="11" fill="hold">
-                      <p:stCondLst>
-                        <p:cond delay="indefinite"/>
-                      </p:stCondLst>
-                      <p:childTnLst>
-                        <p:par>
-                          <p:cTn id="12" fill="hold">
-                            <p:stCondLst>
-                              <p:cond delay="0"/>
-                            </p:stCondLst>
-                            <p:childTnLst>
-                              <p:par>
-                                <p:cTn id="13" presetID="1" presetClass="entr" presetSubtype="0" fill="hold" grpId="0" nodeType="clickEffect">
-                                  <p:stCondLst>
-                                    <p:cond delay="0"/>
-                                  </p:stCondLst>
-                                  <p:childTnLst>
-                                    <p:set>
-                                      <p:cBhvr>
-                                        <p:cTn id="14" dur="1" fill="hold">
-                                          <p:stCondLst>
-                                            <p:cond delay="0"/>
-                                          </p:stCondLst>
-                                        </p:cTn>
-                                        <p:tgtEl>
-                                          <p:spTgt spid="3">
-                                            <p:txEl>
-                                              <p:pRg st="3" end="3"/>
-                                            </p:txEl>
-                                          </p:spTgt>
-                                        </p:tgtEl>
-                                        <p:attrNameLst>
-                                          <p:attrName>style.visibility</p:attrName>
-                                        </p:attrNameLst>
-                                      </p:cBhvr>
-                                      <p:to>
-                                        <p:strVal val="visible"/>
-                                      </p:to>
-                                    </p:set>
-                                  </p:childTnLst>
-                                </p:cTn>
-                              </p:par>
-                            </p:childTnLst>
-                          </p:cTn>
-                        </p:par>
-                      </p:childTnLst>
-                    </p:cTn>
-                  </p:par>
-                  <p:par>
-                    <p:cTn id="15" fill="hold">
-                      <p:stCondLst>
-                        <p:cond delay="indefinite"/>
-                      </p:stCondLst>
-                      <p:childTnLst>
-                        <p:par>
-                          <p:cTn id="16" fill="hold">
-                            <p:stCondLst>
-                              <p:cond delay="0"/>
-                            </p:stCondLst>
-                            <p:childTnLst>
-                              <p:par>
-                                <p:cTn id="17" presetID="1" presetClass="entr" presetSubtype="0" fill="hold" grpId="0" nodeType="clickEffect">
-                                  <p:stCondLst>
-                                    <p:cond delay="0"/>
-                                  </p:stCondLst>
-                                  <p:childTnLst>
-                                    <p:set>
-                                      <p:cBhvr>
-                                        <p:cTn id="18" dur="1" fill="hold">
-                                          <p:stCondLst>
-                                            <p:cond delay="0"/>
-                                          </p:stCondLst>
-                                        </p:cTn>
-                                        <p:tgtEl>
-                                          <p:spTgt spid="3">
-                                            <p:txEl>
-                                              <p:pRg st="4" end="4"/>
-                                            </p:txEl>
-                                          </p:spTgt>
-                                        </p:tgtEl>
-                                        <p:attrNameLst>
-                                          <p:attrName>style.visibility</p:attrName>
-                                        </p:attrNameLst>
-                                      </p:cBhvr>
-                                      <p:to>
-                                        <p:strVal val="visible"/>
-                                      </p:to>
-                                    </p:set>
-                                  </p:childTnLst>
-                                </p:cTn>
-                              </p:par>
-                            </p:childTnLst>
-                          </p:cTn>
-                        </p:par>
-                        <p:par>
-                          <p:cTn id="19" fill="hold">
-                            <p:stCondLst>
-                              <p:cond delay="0"/>
-                            </p:stCondLst>
-                            <p:childTnLst>
-                              <p:par>
-                                <p:cTn id="20" presetID="1" presetClass="entr" presetSubtype="0" fill="hold" grpId="0" nodeType="afterEffect">
-                                  <p:stCondLst>
-                                    <p:cond delay="0"/>
-                                  </p:stCondLst>
-                                  <p:childTnLst>
-                                    <p:set>
-                                      <p:cBhvr>
-                                        <p:cTn id="21" dur="1" fill="hold">
-                                          <p:stCondLst>
-                                            <p:cond delay="0"/>
-                                          </p:stCondLst>
-                                        </p:cTn>
-                                        <p:tgtEl>
-                                          <p:spTgt spid="4"/>
-                                        </p:tgtEl>
-                                        <p:attrNameLst>
-                                          <p:attrName>style.visibility</p:attrName>
-                                        </p:attrNameLst>
-                                      </p:cBhvr>
-                                      <p:to>
-                                        <p:strVal val="visible"/>
-                                      </p:to>
-                                    </p:set>
-                                  </p:childTnLst>
-                                </p:cTn>
-                              </p:par>
-                            </p:childTnLst>
-                          </p:cTn>
-                        </p:par>
-                      </p:childTnLst>
-                    </p:cTn>
-                  </p:par>
-                </p:childTnLst>
-              </p:cTn>
-              <p:prevCondLst>
-                <p:cond evt="onPrev" delay="0">
-                  <p:tgtEl>
-                    <p:sldTgt/>
-                  </p:tgtEl>
-                </p:cond>
-              </p:prevCondLst>
-              <p:nextCondLst>
-                <p:cond evt="onNext" delay="0">
-                  <p:tgtEl>
-                    <p:sldTgt/>
-                  </p:tgtEl>
-                </p:cond>
-              </p:nextCondLst>
-            </p:seq>
-          </p:childTnLst>
-        </p:cTn>
-      </p:par>
-    </p:tnLst>
-    <p:bldLst>
-      <p:bldP spid="3" grpId="0" uiExpand="1" build="p"/>
-      <p:bldP spid="4" grpId="0" animBg="1"/>
-    </p:bldLst>
-  </p:timing>
 </p:sld>
 </file>
 
@@ -27694,7 +29731,7 @@
             </a:r>
             <a:r>
               <a:rPr lang="fr-FR" dirty="0" err="1"/>
-              <a:t>features</a:t>
+              <a:t>feature</a:t>
             </a:r>
             <a:r>
               <a:rPr lang="fr-FR" dirty="0"/>
@@ -27880,7 +29917,7 @@
                             </p:stCondLst>
                             <p:childTnLst>
                               <p:par>
-                                <p:cTn id="5" presetID="1" presetClass="entr" presetSubtype="0" fill="hold" nodeType="clickEffect">
+                                <p:cTn id="5" presetID="1" presetClass="entr" presetSubtype="0" fill="hold" grpId="0" nodeType="clickEffect">
                                   <p:stCondLst>
                                     <p:cond delay="0"/>
                                   </p:stCondLst>
@@ -27893,11 +29930,7 @@
                                           </p:stCondLst>
                                         </p:cTn>
                                         <p:tgtEl>
-                                          <p:spTgt spid="3">
-                                            <p:txEl>
-                                              <p:pRg st="0" end="0"/>
-                                            </p:txEl>
-                                          </p:spTgt>
+                                          <p:spTgt spid="6"/>
                                         </p:tgtEl>
                                         <p:attrNameLst>
                                           <p:attrName>style.visibility</p:attrName>
@@ -27929,7 +29962,7 @@
                             </p:stCondLst>
                             <p:childTnLst>
                               <p:par>
-                                <p:cTn id="9" presetID="1" presetClass="entr" presetSubtype="0" fill="hold" grpId="0" nodeType="clickEffect">
+                                <p:cTn id="9" presetID="1" presetClass="entr" presetSubtype="0" fill="hold" nodeType="clickEffect">
                                   <p:stCondLst>
                                     <p:cond delay="0"/>
                                   </p:stCondLst>
@@ -27942,7 +29975,11 @@
                                           </p:stCondLst>
                                         </p:cTn>
                                         <p:tgtEl>
-                                          <p:spTgt spid="6"/>
+                                          <p:spTgt spid="3">
+                                            <p:txEl>
+                                              <p:pRg st="0" end="0"/>
+                                            </p:txEl>
+                                          </p:spTgt>
                                         </p:tgtEl>
                                         <p:attrNameLst>
                                           <p:attrName>style.visibility</p:attrName>
